--- a/presentations/OttoGroupOverview.pptx
+++ b/presentations/OttoGroupOverview.pptx
@@ -5,7 +5,7 @@
     <p:sldMasterId id="2147483648" r:id="rId1"/>
   </p:sldMasterIdLst>
   <p:handoutMasterIdLst>
-    <p:handoutMasterId r:id="rId16"/>
+    <p:handoutMasterId r:id="rId17"/>
   </p:handoutMasterIdLst>
   <p:sldIdLst>
     <p:sldId id="263" r:id="rId2"/>
@@ -14,14 +14,15 @@
     <p:sldId id="269" r:id="rId5"/>
     <p:sldId id="266" r:id="rId6"/>
     <p:sldId id="267" r:id="rId7"/>
-    <p:sldId id="268" r:id="rId8"/>
-    <p:sldId id="262" r:id="rId9"/>
-    <p:sldId id="256" r:id="rId10"/>
-    <p:sldId id="257" r:id="rId11"/>
-    <p:sldId id="258" r:id="rId12"/>
-    <p:sldId id="259" r:id="rId13"/>
-    <p:sldId id="260" r:id="rId14"/>
-    <p:sldId id="261" r:id="rId15"/>
+    <p:sldId id="270" r:id="rId8"/>
+    <p:sldId id="268" r:id="rId9"/>
+    <p:sldId id="262" r:id="rId10"/>
+    <p:sldId id="256" r:id="rId11"/>
+    <p:sldId id="257" r:id="rId12"/>
+    <p:sldId id="258" r:id="rId13"/>
+    <p:sldId id="259" r:id="rId14"/>
+    <p:sldId id="260" r:id="rId15"/>
+    <p:sldId id="261" r:id="rId16"/>
   </p:sldIdLst>
   <p:sldSz cx="9144000" cy="6858000" type="screen4x3"/>
   <p:notesSz cx="6858000" cy="9144000"/>
@@ -875,43 +876,6 @@
   <dgm:ptLst>
     <dgm:pt modelId="{6B317965-5457-45EA-BBD1-D845F6D84AA4}" type="doc">
       <dgm:prSet loTypeId="urn:microsoft.com/office/officeart/2005/8/layout/cycle5" loCatId="cycle" qsTypeId="urn:microsoft.com/office/officeart/2005/8/quickstyle/simple1" qsCatId="simple" csTypeId="urn:microsoft.com/office/officeart/2005/8/colors/accent1_2" csCatId="accent1" phldr="1"/>
-      <dgm:spPr/>
-      <dgm:t>
-        <a:bodyPr/>
-        <a:lstStyle/>
-        <a:p>
-          <a:endParaRPr lang="en-US"/>
-        </a:p>
-      </dgm:t>
-    </dgm:pt>
-    <dgm:pt modelId="{93E4C1DB-6789-4B32-8CED-27468C20E040}">
-      <dgm:prSet phldrT="[Text]"/>
-      <dgm:spPr/>
-      <dgm:t>
-        <a:bodyPr/>
-        <a:lstStyle/>
-        <a:p>
-          <a:r>
-            <a:rPr lang="en-US" dirty="0" smtClean="0"/>
-            <a:t>Feature Analysis</a:t>
-          </a:r>
-          <a:endParaRPr lang="en-US" dirty="0"/>
-        </a:p>
-      </dgm:t>
-    </dgm:pt>
-    <dgm:pt modelId="{F3A83A2D-725A-4808-82DF-03FB9A932ED6}" type="parTrans" cxnId="{6C81EE06-DB1C-4FBF-B78F-CDA36CD445CD}">
-      <dgm:prSet/>
-      <dgm:spPr/>
-      <dgm:t>
-        <a:bodyPr/>
-        <a:lstStyle/>
-        <a:p>
-          <a:endParaRPr lang="en-US"/>
-        </a:p>
-      </dgm:t>
-    </dgm:pt>
-    <dgm:pt modelId="{576448DB-6F68-4C76-8DBE-CB4EB4F811A0}" type="sibTrans" cxnId="{6C81EE06-DB1C-4FBF-B78F-CDA36CD445CD}">
-      <dgm:prSet/>
       <dgm:spPr/>
       <dgm:t>
         <a:bodyPr/>
@@ -1085,38 +1049,8 @@
         </a:p>
       </dgm:t>
     </dgm:pt>
-    <dgm:pt modelId="{A3B597BD-AD78-492A-A401-5385B3C7D56B}" type="pres">
-      <dgm:prSet presAssocID="{93E4C1DB-6789-4B32-8CED-27468C20E040}" presName="node" presStyleLbl="node1" presStyleIdx="0" presStyleCnt="5">
-        <dgm:presLayoutVars>
-          <dgm:bulletEnabled val="1"/>
-        </dgm:presLayoutVars>
-      </dgm:prSet>
-      <dgm:spPr/>
-      <dgm:t>
-        <a:bodyPr/>
-        <a:lstStyle/>
-        <a:p>
-          <a:endParaRPr lang="en-US"/>
-        </a:p>
-      </dgm:t>
-    </dgm:pt>
-    <dgm:pt modelId="{D281533B-8764-4CFE-BE1C-EBF9B85DCE53}" type="pres">
-      <dgm:prSet presAssocID="{93E4C1DB-6789-4B32-8CED-27468C20E040}" presName="spNode" presStyleCnt="0"/>
-      <dgm:spPr/>
-    </dgm:pt>
-    <dgm:pt modelId="{7D8A7A39-ED7A-4CC9-BDD9-B7B649ED77A0}" type="pres">
-      <dgm:prSet presAssocID="{576448DB-6F68-4C76-8DBE-CB4EB4F811A0}" presName="sibTrans" presStyleLbl="sibTrans1D1" presStyleIdx="0" presStyleCnt="5"/>
-      <dgm:spPr/>
-      <dgm:t>
-        <a:bodyPr/>
-        <a:lstStyle/>
-        <a:p>
-          <a:endParaRPr lang="en-US"/>
-        </a:p>
-      </dgm:t>
-    </dgm:pt>
     <dgm:pt modelId="{E03A5195-BD9E-4364-83D0-97BE4E7FC996}" type="pres">
-      <dgm:prSet presAssocID="{D06E0C98-74C7-42B2-B5F0-2589709F8D64}" presName="node" presStyleLbl="node1" presStyleIdx="1" presStyleCnt="5">
+      <dgm:prSet presAssocID="{D06E0C98-74C7-42B2-B5F0-2589709F8D64}" presName="node" presStyleLbl="node1" presStyleIdx="0" presStyleCnt="4">
         <dgm:presLayoutVars>
           <dgm:bulletEnabled val="1"/>
         </dgm:presLayoutVars>
@@ -1135,7 +1069,7 @@
       <dgm:spPr/>
     </dgm:pt>
     <dgm:pt modelId="{5462BB5B-3358-4242-97C6-2F05C241C703}" type="pres">
-      <dgm:prSet presAssocID="{F4BEF1D9-8D34-4ED6-B6A0-7AF0A243049A}" presName="sibTrans" presStyleLbl="sibTrans1D1" presStyleIdx="1" presStyleCnt="5"/>
+      <dgm:prSet presAssocID="{F4BEF1D9-8D34-4ED6-B6A0-7AF0A243049A}" presName="sibTrans" presStyleLbl="sibTrans1D1" presStyleIdx="0" presStyleCnt="4"/>
       <dgm:spPr/>
       <dgm:t>
         <a:bodyPr/>
@@ -1146,7 +1080,7 @@
       </dgm:t>
     </dgm:pt>
     <dgm:pt modelId="{1FA2B0A4-B1F1-4976-9E49-59254B20A4EE}" type="pres">
-      <dgm:prSet presAssocID="{FE987800-9E5F-4BDE-A7F6-AE62AC117ECF}" presName="node" presStyleLbl="node1" presStyleIdx="2" presStyleCnt="5">
+      <dgm:prSet presAssocID="{FE987800-9E5F-4BDE-A7F6-AE62AC117ECF}" presName="node" presStyleLbl="node1" presStyleIdx="1" presStyleCnt="4">
         <dgm:presLayoutVars>
           <dgm:bulletEnabled val="1"/>
         </dgm:presLayoutVars>
@@ -1165,7 +1099,7 @@
       <dgm:spPr/>
     </dgm:pt>
     <dgm:pt modelId="{CC8DFC39-748B-4521-9332-3CE72797620B}" type="pres">
-      <dgm:prSet presAssocID="{65DC7A13-4217-4493-A4F8-665DD7372721}" presName="sibTrans" presStyleLbl="sibTrans1D1" presStyleIdx="2" presStyleCnt="5"/>
+      <dgm:prSet presAssocID="{65DC7A13-4217-4493-A4F8-665DD7372721}" presName="sibTrans" presStyleLbl="sibTrans1D1" presStyleIdx="1" presStyleCnt="4"/>
       <dgm:spPr/>
       <dgm:t>
         <a:bodyPr/>
@@ -1176,7 +1110,7 @@
       </dgm:t>
     </dgm:pt>
     <dgm:pt modelId="{C0F049BD-3FE4-4550-9403-5DE17BD64B9F}" type="pres">
-      <dgm:prSet presAssocID="{F30B47AF-D983-4E51-B26F-A05847F1565F}" presName="node" presStyleLbl="node1" presStyleIdx="3" presStyleCnt="5">
+      <dgm:prSet presAssocID="{F30B47AF-D983-4E51-B26F-A05847F1565F}" presName="node" presStyleLbl="node1" presStyleIdx="2" presStyleCnt="4">
         <dgm:presLayoutVars>
           <dgm:bulletEnabled val="1"/>
         </dgm:presLayoutVars>
@@ -1195,7 +1129,7 @@
       <dgm:spPr/>
     </dgm:pt>
     <dgm:pt modelId="{6F37F15E-54DF-439C-9C0F-28BEDA6B9B43}" type="pres">
-      <dgm:prSet presAssocID="{8B908A39-8BEA-412A-819E-E158EA40EC28}" presName="sibTrans" presStyleLbl="sibTrans1D1" presStyleIdx="3" presStyleCnt="5"/>
+      <dgm:prSet presAssocID="{8B908A39-8BEA-412A-819E-E158EA40EC28}" presName="sibTrans" presStyleLbl="sibTrans1D1" presStyleIdx="2" presStyleCnt="4"/>
       <dgm:spPr/>
       <dgm:t>
         <a:bodyPr/>
@@ -1206,7 +1140,7 @@
       </dgm:t>
     </dgm:pt>
     <dgm:pt modelId="{F85BDFEF-39F2-467E-8C36-000AE6F34FFA}" type="pres">
-      <dgm:prSet presAssocID="{DE0F68C2-B5B9-408D-8D79-B4CDA9E4820E}" presName="node" presStyleLbl="node1" presStyleIdx="4" presStyleCnt="5">
+      <dgm:prSet presAssocID="{DE0F68C2-B5B9-408D-8D79-B4CDA9E4820E}" presName="node" presStyleLbl="node1" presStyleIdx="3" presStyleCnt="4">
         <dgm:presLayoutVars>
           <dgm:bulletEnabled val="1"/>
         </dgm:presLayoutVars>
@@ -1225,7 +1159,7 @@
       <dgm:spPr/>
     </dgm:pt>
     <dgm:pt modelId="{7CB46CED-6636-445A-B581-8F5560E8D887}" type="pres">
-      <dgm:prSet presAssocID="{5AD6DDCC-BAD2-496F-95A3-32DB3C17CE1A}" presName="sibTrans" presStyleLbl="sibTrans1D1" presStyleIdx="4" presStyleCnt="5"/>
+      <dgm:prSet presAssocID="{5AD6DDCC-BAD2-496F-95A3-32DB3C17CE1A}" presName="sibTrans" presStyleLbl="sibTrans1D1" presStyleIdx="3" presStyleCnt="4"/>
       <dgm:spPr/>
       <dgm:t>
         <a:bodyPr/>
@@ -1238,36 +1172,30 @@
   </dgm:ptLst>
   <dgm:cxnLst>
     <dgm:cxn modelId="{7028B9A0-92FD-458C-81B1-2522B3B7A036}" type="presOf" srcId="{5AD6DDCC-BAD2-496F-95A3-32DB3C17CE1A}" destId="{7CB46CED-6636-445A-B581-8F5560E8D887}" srcOrd="0" destOrd="0" presId="urn:microsoft.com/office/officeart/2005/8/layout/cycle5"/>
-    <dgm:cxn modelId="{B12CB6E5-B695-4209-817E-ADADB3522002}" srcId="{6B317965-5457-45EA-BBD1-D845F6D84AA4}" destId="{FE987800-9E5F-4BDE-A7F6-AE62AC117ECF}" srcOrd="2" destOrd="0" parTransId="{EBF47BFE-14BE-4A6D-81E2-2CD817109EBC}" sibTransId="{65DC7A13-4217-4493-A4F8-665DD7372721}"/>
+    <dgm:cxn modelId="{B12CB6E5-B695-4209-817E-ADADB3522002}" srcId="{6B317965-5457-45EA-BBD1-D845F6D84AA4}" destId="{FE987800-9E5F-4BDE-A7F6-AE62AC117ECF}" srcOrd="1" destOrd="0" parTransId="{EBF47BFE-14BE-4A6D-81E2-2CD817109EBC}" sibTransId="{65DC7A13-4217-4493-A4F8-665DD7372721}"/>
     <dgm:cxn modelId="{456FF8DC-5F15-439A-8012-02946258F7A4}" type="presOf" srcId="{6B317965-5457-45EA-BBD1-D845F6D84AA4}" destId="{B2619430-39F6-485D-B735-A994F9CA4356}" srcOrd="0" destOrd="0" presId="urn:microsoft.com/office/officeart/2005/8/layout/cycle5"/>
     <dgm:cxn modelId="{DFFE7795-4F57-4E91-AF37-DE57886F6077}" type="presOf" srcId="{F30B47AF-D983-4E51-B26F-A05847F1565F}" destId="{C0F049BD-3FE4-4550-9403-5DE17BD64B9F}" srcOrd="0" destOrd="0" presId="urn:microsoft.com/office/officeart/2005/8/layout/cycle5"/>
     <dgm:cxn modelId="{D549CBBF-8493-49A4-BFB3-A4FB928AF0DF}" type="presOf" srcId="{D06E0C98-74C7-42B2-B5F0-2589709F8D64}" destId="{E03A5195-BD9E-4364-83D0-97BE4E7FC996}" srcOrd="0" destOrd="0" presId="urn:microsoft.com/office/officeart/2005/8/layout/cycle5"/>
     <dgm:cxn modelId="{A05ECDA1-B6B5-4FD6-BE2A-8DE360120D96}" type="presOf" srcId="{65DC7A13-4217-4493-A4F8-665DD7372721}" destId="{CC8DFC39-748B-4521-9332-3CE72797620B}" srcOrd="0" destOrd="0" presId="urn:microsoft.com/office/officeart/2005/8/layout/cycle5"/>
-    <dgm:cxn modelId="{CECE130F-9C2C-4AF9-BA5A-22A805CAEDEA}" type="presOf" srcId="{93E4C1DB-6789-4B32-8CED-27468C20E040}" destId="{A3B597BD-AD78-492A-A401-5385B3C7D56B}" srcOrd="0" destOrd="0" presId="urn:microsoft.com/office/officeart/2005/8/layout/cycle5"/>
     <dgm:cxn modelId="{A511039D-E913-4800-9CED-7D3EA771DF19}" type="presOf" srcId="{FE987800-9E5F-4BDE-A7F6-AE62AC117ECF}" destId="{1FA2B0A4-B1F1-4976-9E49-59254B20A4EE}" srcOrd="0" destOrd="0" presId="urn:microsoft.com/office/officeart/2005/8/layout/cycle5"/>
     <dgm:cxn modelId="{0C1F6137-3448-47AB-9BEE-8EEEA0EACF1A}" type="presOf" srcId="{DE0F68C2-B5B9-408D-8D79-B4CDA9E4820E}" destId="{F85BDFEF-39F2-467E-8C36-000AE6F34FFA}" srcOrd="0" destOrd="0" presId="urn:microsoft.com/office/officeart/2005/8/layout/cycle5"/>
     <dgm:cxn modelId="{991EEF37-E1F8-4A8B-B501-5FED729F3A83}" type="presOf" srcId="{F4BEF1D9-8D34-4ED6-B6A0-7AF0A243049A}" destId="{5462BB5B-3358-4242-97C6-2F05C241C703}" srcOrd="0" destOrd="0" presId="urn:microsoft.com/office/officeart/2005/8/layout/cycle5"/>
     <dgm:cxn modelId="{BDDDF949-B2AC-4233-8C1A-63CAF2F11E8D}" type="presOf" srcId="{8B908A39-8BEA-412A-819E-E158EA40EC28}" destId="{6F37F15E-54DF-439C-9C0F-28BEDA6B9B43}" srcOrd="0" destOrd="0" presId="urn:microsoft.com/office/officeart/2005/8/layout/cycle5"/>
-    <dgm:cxn modelId="{9A39A599-E41C-4331-9E53-9CF114ED5873}" srcId="{6B317965-5457-45EA-BBD1-D845F6D84AA4}" destId="{DE0F68C2-B5B9-408D-8D79-B4CDA9E4820E}" srcOrd="4" destOrd="0" parTransId="{6B69D6C1-F115-4569-A90E-069EE069E23F}" sibTransId="{5AD6DDCC-BAD2-496F-95A3-32DB3C17CE1A}"/>
-    <dgm:cxn modelId="{84930B30-C73B-4231-9A98-E39C3D340CEC}" type="presOf" srcId="{576448DB-6F68-4C76-8DBE-CB4EB4F811A0}" destId="{7D8A7A39-ED7A-4CC9-BDD9-B7B649ED77A0}" srcOrd="0" destOrd="0" presId="urn:microsoft.com/office/officeart/2005/8/layout/cycle5"/>
-    <dgm:cxn modelId="{1FF8DEA5-82E8-451F-A82C-3CE3E48FB000}" srcId="{6B317965-5457-45EA-BBD1-D845F6D84AA4}" destId="{D06E0C98-74C7-42B2-B5F0-2589709F8D64}" srcOrd="1" destOrd="0" parTransId="{52CFC7C4-2715-4E79-BD60-4BB3104EDB44}" sibTransId="{F4BEF1D9-8D34-4ED6-B6A0-7AF0A243049A}"/>
-    <dgm:cxn modelId="{4EBBD450-375F-408E-B9DA-F601A01A9421}" srcId="{6B317965-5457-45EA-BBD1-D845F6D84AA4}" destId="{F30B47AF-D983-4E51-B26F-A05847F1565F}" srcOrd="3" destOrd="0" parTransId="{27AAD6BE-AAFA-4BCE-AD1E-078DA8A621FC}" sibTransId="{8B908A39-8BEA-412A-819E-E158EA40EC28}"/>
-    <dgm:cxn modelId="{6C81EE06-DB1C-4FBF-B78F-CDA36CD445CD}" srcId="{6B317965-5457-45EA-BBD1-D845F6D84AA4}" destId="{93E4C1DB-6789-4B32-8CED-27468C20E040}" srcOrd="0" destOrd="0" parTransId="{F3A83A2D-725A-4808-82DF-03FB9A932ED6}" sibTransId="{576448DB-6F68-4C76-8DBE-CB4EB4F811A0}"/>
-    <dgm:cxn modelId="{6E6390F8-050E-4268-8E9D-F4488A5D9F1B}" type="presParOf" srcId="{B2619430-39F6-485D-B735-A994F9CA4356}" destId="{A3B597BD-AD78-492A-A401-5385B3C7D56B}" srcOrd="0" destOrd="0" presId="urn:microsoft.com/office/officeart/2005/8/layout/cycle5"/>
-    <dgm:cxn modelId="{67F43D32-D4E6-40E3-8EA7-099D4E3F7B77}" type="presParOf" srcId="{B2619430-39F6-485D-B735-A994F9CA4356}" destId="{D281533B-8764-4CFE-BE1C-EBF9B85DCE53}" srcOrd="1" destOrd="0" presId="urn:microsoft.com/office/officeart/2005/8/layout/cycle5"/>
-    <dgm:cxn modelId="{690573AC-ACC9-408C-BFEB-28A653E16220}" type="presParOf" srcId="{B2619430-39F6-485D-B735-A994F9CA4356}" destId="{7D8A7A39-ED7A-4CC9-BDD9-B7B649ED77A0}" srcOrd="2" destOrd="0" presId="urn:microsoft.com/office/officeart/2005/8/layout/cycle5"/>
-    <dgm:cxn modelId="{C4CC89FF-86FB-4E9A-ABDF-C45AC3715766}" type="presParOf" srcId="{B2619430-39F6-485D-B735-A994F9CA4356}" destId="{E03A5195-BD9E-4364-83D0-97BE4E7FC996}" srcOrd="3" destOrd="0" presId="urn:microsoft.com/office/officeart/2005/8/layout/cycle5"/>
-    <dgm:cxn modelId="{99765D6F-98E3-4CDD-8B00-068285B93A55}" type="presParOf" srcId="{B2619430-39F6-485D-B735-A994F9CA4356}" destId="{5250CD57-AC85-403C-A457-C428145B845A}" srcOrd="4" destOrd="0" presId="urn:microsoft.com/office/officeart/2005/8/layout/cycle5"/>
-    <dgm:cxn modelId="{2C01E3BB-EBF9-44FC-9759-983115A8016F}" type="presParOf" srcId="{B2619430-39F6-485D-B735-A994F9CA4356}" destId="{5462BB5B-3358-4242-97C6-2F05C241C703}" srcOrd="5" destOrd="0" presId="urn:microsoft.com/office/officeart/2005/8/layout/cycle5"/>
-    <dgm:cxn modelId="{BAEE7D20-D2A0-485D-A468-7E8ECADDC24B}" type="presParOf" srcId="{B2619430-39F6-485D-B735-A994F9CA4356}" destId="{1FA2B0A4-B1F1-4976-9E49-59254B20A4EE}" srcOrd="6" destOrd="0" presId="urn:microsoft.com/office/officeart/2005/8/layout/cycle5"/>
-    <dgm:cxn modelId="{034A835A-8E10-4093-92B4-1E847510DAAC}" type="presParOf" srcId="{B2619430-39F6-485D-B735-A994F9CA4356}" destId="{A4C9A974-EAB0-4054-A74E-4E4B23270544}" srcOrd="7" destOrd="0" presId="urn:microsoft.com/office/officeart/2005/8/layout/cycle5"/>
-    <dgm:cxn modelId="{2B73C4F5-9681-40EF-988E-8016B77CAD41}" type="presParOf" srcId="{B2619430-39F6-485D-B735-A994F9CA4356}" destId="{CC8DFC39-748B-4521-9332-3CE72797620B}" srcOrd="8" destOrd="0" presId="urn:microsoft.com/office/officeart/2005/8/layout/cycle5"/>
-    <dgm:cxn modelId="{F7BB0EF1-9E3F-438E-9237-F636FF87925D}" type="presParOf" srcId="{B2619430-39F6-485D-B735-A994F9CA4356}" destId="{C0F049BD-3FE4-4550-9403-5DE17BD64B9F}" srcOrd="9" destOrd="0" presId="urn:microsoft.com/office/officeart/2005/8/layout/cycle5"/>
-    <dgm:cxn modelId="{91EC4CA2-3277-45C9-B2DD-1A2C4800B2E9}" type="presParOf" srcId="{B2619430-39F6-485D-B735-A994F9CA4356}" destId="{60D630B7-30E7-40B1-9406-BDC0B59FF418}" srcOrd="10" destOrd="0" presId="urn:microsoft.com/office/officeart/2005/8/layout/cycle5"/>
-    <dgm:cxn modelId="{06D657C2-FA9D-42C2-ACB9-CDD7E8470909}" type="presParOf" srcId="{B2619430-39F6-485D-B735-A994F9CA4356}" destId="{6F37F15E-54DF-439C-9C0F-28BEDA6B9B43}" srcOrd="11" destOrd="0" presId="urn:microsoft.com/office/officeart/2005/8/layout/cycle5"/>
-    <dgm:cxn modelId="{6D2FE951-81D5-4D51-89E2-3AF3CDC65305}" type="presParOf" srcId="{B2619430-39F6-485D-B735-A994F9CA4356}" destId="{F85BDFEF-39F2-467E-8C36-000AE6F34FFA}" srcOrd="12" destOrd="0" presId="urn:microsoft.com/office/officeart/2005/8/layout/cycle5"/>
-    <dgm:cxn modelId="{AA973C3B-6DAB-427D-A660-51183B76A526}" type="presParOf" srcId="{B2619430-39F6-485D-B735-A994F9CA4356}" destId="{FE887922-CAFC-449D-80C7-7A25F3D6A6AC}" srcOrd="13" destOrd="0" presId="urn:microsoft.com/office/officeart/2005/8/layout/cycle5"/>
-    <dgm:cxn modelId="{1C2B0221-647C-4FAE-9D5F-8ACA45DE6A0C}" type="presParOf" srcId="{B2619430-39F6-485D-B735-A994F9CA4356}" destId="{7CB46CED-6636-445A-B581-8F5560E8D887}" srcOrd="14" destOrd="0" presId="urn:microsoft.com/office/officeart/2005/8/layout/cycle5"/>
+    <dgm:cxn modelId="{9A39A599-E41C-4331-9E53-9CF114ED5873}" srcId="{6B317965-5457-45EA-BBD1-D845F6D84AA4}" destId="{DE0F68C2-B5B9-408D-8D79-B4CDA9E4820E}" srcOrd="3" destOrd="0" parTransId="{6B69D6C1-F115-4569-A90E-069EE069E23F}" sibTransId="{5AD6DDCC-BAD2-496F-95A3-32DB3C17CE1A}"/>
+    <dgm:cxn modelId="{1FF8DEA5-82E8-451F-A82C-3CE3E48FB000}" srcId="{6B317965-5457-45EA-BBD1-D845F6D84AA4}" destId="{D06E0C98-74C7-42B2-B5F0-2589709F8D64}" srcOrd="0" destOrd="0" parTransId="{52CFC7C4-2715-4E79-BD60-4BB3104EDB44}" sibTransId="{F4BEF1D9-8D34-4ED6-B6A0-7AF0A243049A}"/>
+    <dgm:cxn modelId="{4EBBD450-375F-408E-B9DA-F601A01A9421}" srcId="{6B317965-5457-45EA-BBD1-D845F6D84AA4}" destId="{F30B47AF-D983-4E51-B26F-A05847F1565F}" srcOrd="2" destOrd="0" parTransId="{27AAD6BE-AAFA-4BCE-AD1E-078DA8A621FC}" sibTransId="{8B908A39-8BEA-412A-819E-E158EA40EC28}"/>
+    <dgm:cxn modelId="{C4CC89FF-86FB-4E9A-ABDF-C45AC3715766}" type="presParOf" srcId="{B2619430-39F6-485D-B735-A994F9CA4356}" destId="{E03A5195-BD9E-4364-83D0-97BE4E7FC996}" srcOrd="0" destOrd="0" presId="urn:microsoft.com/office/officeart/2005/8/layout/cycle5"/>
+    <dgm:cxn modelId="{99765D6F-98E3-4CDD-8B00-068285B93A55}" type="presParOf" srcId="{B2619430-39F6-485D-B735-A994F9CA4356}" destId="{5250CD57-AC85-403C-A457-C428145B845A}" srcOrd="1" destOrd="0" presId="urn:microsoft.com/office/officeart/2005/8/layout/cycle5"/>
+    <dgm:cxn modelId="{2C01E3BB-EBF9-44FC-9759-983115A8016F}" type="presParOf" srcId="{B2619430-39F6-485D-B735-A994F9CA4356}" destId="{5462BB5B-3358-4242-97C6-2F05C241C703}" srcOrd="2" destOrd="0" presId="urn:microsoft.com/office/officeart/2005/8/layout/cycle5"/>
+    <dgm:cxn modelId="{BAEE7D20-D2A0-485D-A468-7E8ECADDC24B}" type="presParOf" srcId="{B2619430-39F6-485D-B735-A994F9CA4356}" destId="{1FA2B0A4-B1F1-4976-9E49-59254B20A4EE}" srcOrd="3" destOrd="0" presId="urn:microsoft.com/office/officeart/2005/8/layout/cycle5"/>
+    <dgm:cxn modelId="{034A835A-8E10-4093-92B4-1E847510DAAC}" type="presParOf" srcId="{B2619430-39F6-485D-B735-A994F9CA4356}" destId="{A4C9A974-EAB0-4054-A74E-4E4B23270544}" srcOrd="4" destOrd="0" presId="urn:microsoft.com/office/officeart/2005/8/layout/cycle5"/>
+    <dgm:cxn modelId="{2B73C4F5-9681-40EF-988E-8016B77CAD41}" type="presParOf" srcId="{B2619430-39F6-485D-B735-A994F9CA4356}" destId="{CC8DFC39-748B-4521-9332-3CE72797620B}" srcOrd="5" destOrd="0" presId="urn:microsoft.com/office/officeart/2005/8/layout/cycle5"/>
+    <dgm:cxn modelId="{F7BB0EF1-9E3F-438E-9237-F636FF87925D}" type="presParOf" srcId="{B2619430-39F6-485D-B735-A994F9CA4356}" destId="{C0F049BD-3FE4-4550-9403-5DE17BD64B9F}" srcOrd="6" destOrd="0" presId="urn:microsoft.com/office/officeart/2005/8/layout/cycle5"/>
+    <dgm:cxn modelId="{91EC4CA2-3277-45C9-B2DD-1A2C4800B2E9}" type="presParOf" srcId="{B2619430-39F6-485D-B735-A994F9CA4356}" destId="{60D630B7-30E7-40B1-9406-BDC0B59FF418}" srcOrd="7" destOrd="0" presId="urn:microsoft.com/office/officeart/2005/8/layout/cycle5"/>
+    <dgm:cxn modelId="{06D657C2-FA9D-42C2-ACB9-CDD7E8470909}" type="presParOf" srcId="{B2619430-39F6-485D-B735-A994F9CA4356}" destId="{6F37F15E-54DF-439C-9C0F-28BEDA6B9B43}" srcOrd="8" destOrd="0" presId="urn:microsoft.com/office/officeart/2005/8/layout/cycle5"/>
+    <dgm:cxn modelId="{6D2FE951-81D5-4D51-89E2-3AF3CDC65305}" type="presParOf" srcId="{B2619430-39F6-485D-B735-A994F9CA4356}" destId="{F85BDFEF-39F2-467E-8C36-000AE6F34FFA}" srcOrd="9" destOrd="0" presId="urn:microsoft.com/office/officeart/2005/8/layout/cycle5"/>
+    <dgm:cxn modelId="{AA973C3B-6DAB-427D-A660-51183B76A526}" type="presParOf" srcId="{B2619430-39F6-485D-B735-A994F9CA4356}" destId="{FE887922-CAFC-449D-80C7-7A25F3D6A6AC}" srcOrd="10" destOrd="0" presId="urn:microsoft.com/office/officeart/2005/8/layout/cycle5"/>
+    <dgm:cxn modelId="{1C2B0221-647C-4FAE-9D5F-8ACA45DE6A0C}" type="presParOf" srcId="{B2619430-39F6-485D-B735-A994F9CA4356}" destId="{7CB46CED-6636-445A-B581-8F5560E8D887}" srcOrd="11" destOrd="0" presId="urn:microsoft.com/office/officeart/2005/8/layout/cycle5"/>
   </dgm:cxnLst>
   <dgm:bg/>
   <dgm:whole/>
@@ -1287,15 +1215,15 @@
       <dsp:cNvGrpSpPr/>
     </dsp:nvGrpSpPr>
     <dsp:grpSpPr/>
-    <dsp:sp modelId="{A3B597BD-AD78-492A-A401-5385B3C7D56B}">
+    <dsp:sp modelId="{E03A5195-BD9E-4364-83D0-97BE4E7FC996}">
       <dsp:nvSpPr>
         <dsp:cNvPr id="0" name=""/>
         <dsp:cNvSpPr/>
       </dsp:nvSpPr>
       <dsp:spPr>
         <a:xfrm>
-          <a:off x="2912473" y="3054"/>
-          <a:ext cx="1642653" cy="1067724"/>
+          <a:off x="2424521" y="1398"/>
+          <a:ext cx="1551756" cy="1008641"/>
         </a:xfrm>
         <a:prstGeom prst="roundRect">
           <a:avLst/>
@@ -1336,12 +1264,12 @@
         </a:fontRef>
       </dsp:style>
       <dsp:txBody>
-        <a:bodyPr spcFirstLastPara="0" vert="horz" wrap="square" lIns="72390" tIns="72390" rIns="72390" bIns="72390" numCol="1" spcCol="1270" anchor="ctr" anchorCtr="0">
+        <a:bodyPr spcFirstLastPara="0" vert="horz" wrap="square" lIns="68580" tIns="68580" rIns="68580" bIns="68580" numCol="1" spcCol="1270" anchor="ctr" anchorCtr="0">
           <a:noAutofit/>
         </a:bodyPr>
         <a:lstStyle/>
         <a:p>
-          <a:pPr lvl="0" algn="ctr" defTabSz="844550">
+          <a:pPr lvl="0" algn="ctr" defTabSz="800100">
             <a:lnSpc>
               <a:spcPct val="90000"/>
             </a:lnSpc>
@@ -1353,26 +1281,26 @@
             </a:spcAft>
           </a:pPr>
           <a:r>
-            <a:rPr lang="en-US" sz="1900" kern="1200" dirty="0" smtClean="0"/>
-            <a:t>Feature Analysis</a:t>
+            <a:rPr lang="en-US" sz="1800" kern="1200" dirty="0" smtClean="0"/>
+            <a:t>Feature Engineering</a:t>
           </a:r>
-          <a:endParaRPr lang="en-US" sz="1900" kern="1200" dirty="0"/>
+          <a:endParaRPr lang="en-US" sz="1800" kern="1200" dirty="0"/>
         </a:p>
       </dsp:txBody>
       <dsp:txXfrm>
-        <a:off x="2964595" y="55176"/>
-        <a:ext cx="1538409" cy="963480"/>
+        <a:off x="2473759" y="50636"/>
+        <a:ext cx="1453280" cy="910165"/>
       </dsp:txXfrm>
     </dsp:sp>
-    <dsp:sp modelId="{7D8A7A39-ED7A-4CC9-BDD9-B7B649ED77A0}">
+    <dsp:sp modelId="{5462BB5B-3358-4242-97C6-2F05C241C703}">
       <dsp:nvSpPr>
         <dsp:cNvPr id="0" name=""/>
         <dsp:cNvSpPr/>
       </dsp:nvSpPr>
       <dsp:spPr>
         <a:xfrm>
-          <a:off x="1600445" y="536916"/>
-          <a:ext cx="4266709" cy="4266709"/>
+          <a:off x="1534418" y="505718"/>
+          <a:ext cx="3331962" cy="3331962"/>
         </a:xfrm>
         <a:custGeom>
           <a:avLst/>
@@ -1383,9 +1311,9 @@
           <a:pathLst>
             <a:path>
               <a:moveTo>
-                <a:pt x="3174779" y="271463"/>
+                <a:pt x="2655947" y="326033"/>
               </a:moveTo>
-              <a:arcTo wR="2133354" hR="2133354" stAng="17953194" swAng="1211921"/>
+              <a:arcTo wR="1665981" hR="1665981" stAng="18387442" swAng="1633267"/>
             </a:path>
           </a:pathLst>
         </a:custGeom>
@@ -1417,15 +1345,15 @@
         <a:fontRef idx="minor"/>
       </dsp:style>
     </dsp:sp>
-    <dsp:sp modelId="{E03A5195-BD9E-4364-83D0-97BE4E7FC996}">
+    <dsp:sp modelId="{1FA2B0A4-B1F1-4976-9E49-59254B20A4EE}">
       <dsp:nvSpPr>
         <dsp:cNvPr id="0" name=""/>
         <dsp:cNvSpPr/>
       </dsp:nvSpPr>
       <dsp:spPr>
         <a:xfrm>
-          <a:off x="4941414" y="1477166"/>
-          <a:ext cx="1642653" cy="1067724"/>
+          <a:off x="4090502" y="1667379"/>
+          <a:ext cx="1551756" cy="1008641"/>
         </a:xfrm>
         <a:prstGeom prst="roundRect">
           <a:avLst/>
@@ -1466,12 +1394,12 @@
         </a:fontRef>
       </dsp:style>
       <dsp:txBody>
-        <a:bodyPr spcFirstLastPara="0" vert="horz" wrap="square" lIns="72390" tIns="72390" rIns="72390" bIns="72390" numCol="1" spcCol="1270" anchor="ctr" anchorCtr="0">
+        <a:bodyPr spcFirstLastPara="0" vert="horz" wrap="square" lIns="68580" tIns="68580" rIns="68580" bIns="68580" numCol="1" spcCol="1270" anchor="ctr" anchorCtr="0">
           <a:noAutofit/>
         </a:bodyPr>
         <a:lstStyle/>
         <a:p>
-          <a:pPr lvl="0" algn="ctr" defTabSz="844550">
+          <a:pPr lvl="0" algn="ctr" defTabSz="800100">
             <a:lnSpc>
               <a:spcPct val="90000"/>
             </a:lnSpc>
@@ -1483,26 +1411,26 @@
             </a:spcAft>
           </a:pPr>
           <a:r>
-            <a:rPr lang="en-US" sz="1900" kern="1200" dirty="0" smtClean="0"/>
-            <a:t>Feature Engineering</a:t>
+            <a:rPr lang="en-US" sz="1800" kern="1200" dirty="0" smtClean="0"/>
+            <a:t>Feature Selection</a:t>
           </a:r>
-          <a:endParaRPr lang="en-US" sz="1900" kern="1200" dirty="0"/>
+          <a:endParaRPr lang="en-US" sz="1800" kern="1200" dirty="0"/>
         </a:p>
       </dsp:txBody>
       <dsp:txXfrm>
-        <a:off x="4993536" y="1529288"/>
-        <a:ext cx="1538409" cy="963480"/>
+        <a:off x="4139740" y="1716617"/>
+        <a:ext cx="1453280" cy="910165"/>
       </dsp:txXfrm>
     </dsp:sp>
-    <dsp:sp modelId="{5462BB5B-3358-4242-97C6-2F05C241C703}">
+    <dsp:sp modelId="{CC8DFC39-748B-4521-9332-3CE72797620B}">
       <dsp:nvSpPr>
         <dsp:cNvPr id="0" name=""/>
         <dsp:cNvSpPr/>
       </dsp:nvSpPr>
       <dsp:spPr>
         <a:xfrm>
-          <a:off x="1600445" y="536916"/>
-          <a:ext cx="4266709" cy="4266709"/>
+          <a:off x="1534418" y="505718"/>
+          <a:ext cx="3331962" cy="3331962"/>
         </a:xfrm>
         <a:custGeom>
           <a:avLst/>
@@ -1513,9 +1441,9 @@
           <a:pathLst>
             <a:path>
               <a:moveTo>
-                <a:pt x="4261597" y="2280954"/>
+                <a:pt x="3159233" y="2404689"/>
               </a:moveTo>
-              <a:arcTo wR="2133354" hR="2133354" stAng="21838036" swAng="1360022"/>
+              <a:arcTo wR="1665981" hR="1665981" stAng="1579290" swAng="1633267"/>
             </a:path>
           </a:pathLst>
         </a:custGeom>
@@ -1547,15 +1475,15 @@
         <a:fontRef idx="minor"/>
       </dsp:style>
     </dsp:sp>
-    <dsp:sp modelId="{1FA2B0A4-B1F1-4976-9E49-59254B20A4EE}">
+    <dsp:sp modelId="{C0F049BD-3FE4-4550-9403-5DE17BD64B9F}">
       <dsp:nvSpPr>
         <dsp:cNvPr id="0" name=""/>
         <dsp:cNvSpPr/>
       </dsp:nvSpPr>
       <dsp:spPr>
         <a:xfrm>
-          <a:off x="4166427" y="3862330"/>
-          <a:ext cx="1642653" cy="1067724"/>
+          <a:off x="2424521" y="3333360"/>
+          <a:ext cx="1551756" cy="1008641"/>
         </a:xfrm>
         <a:prstGeom prst="roundRect">
           <a:avLst/>
@@ -1596,12 +1524,12 @@
         </a:fontRef>
       </dsp:style>
       <dsp:txBody>
-        <a:bodyPr spcFirstLastPara="0" vert="horz" wrap="square" lIns="72390" tIns="72390" rIns="72390" bIns="72390" numCol="1" spcCol="1270" anchor="ctr" anchorCtr="0">
+        <a:bodyPr spcFirstLastPara="0" vert="horz" wrap="square" lIns="68580" tIns="68580" rIns="68580" bIns="68580" numCol="1" spcCol="1270" anchor="ctr" anchorCtr="0">
           <a:noAutofit/>
         </a:bodyPr>
         <a:lstStyle/>
         <a:p>
-          <a:pPr lvl="0" algn="ctr" defTabSz="844550">
+          <a:pPr lvl="0" algn="ctr" defTabSz="800100">
             <a:lnSpc>
               <a:spcPct val="90000"/>
             </a:lnSpc>
@@ -1613,26 +1541,26 @@
             </a:spcAft>
           </a:pPr>
           <a:r>
-            <a:rPr lang="en-US" sz="1900" kern="1200" dirty="0" smtClean="0"/>
-            <a:t>Feature Selection</a:t>
+            <a:rPr lang="en-US" sz="1800" kern="1200" dirty="0" smtClean="0"/>
+            <a:t>Model Training</a:t>
           </a:r>
-          <a:endParaRPr lang="en-US" sz="1900" kern="1200" dirty="0"/>
+          <a:endParaRPr lang="en-US" sz="1800" kern="1200" dirty="0"/>
         </a:p>
       </dsp:txBody>
       <dsp:txXfrm>
-        <a:off x="4218549" y="3914452"/>
-        <a:ext cx="1538409" cy="963480"/>
+        <a:off x="2473759" y="3382598"/>
+        <a:ext cx="1453280" cy="910165"/>
       </dsp:txXfrm>
     </dsp:sp>
-    <dsp:sp modelId="{CC8DFC39-748B-4521-9332-3CE72797620B}">
+    <dsp:sp modelId="{6F37F15E-54DF-439C-9C0F-28BEDA6B9B43}">
       <dsp:nvSpPr>
         <dsp:cNvPr id="0" name=""/>
         <dsp:cNvSpPr/>
       </dsp:nvSpPr>
       <dsp:spPr>
         <a:xfrm>
-          <a:off x="1600445" y="536916"/>
-          <a:ext cx="4266709" cy="4266709"/>
+          <a:off x="1534418" y="505718"/>
+          <a:ext cx="3331962" cy="3331962"/>
         </a:xfrm>
         <a:custGeom>
           <a:avLst/>
@@ -1643,9 +1571,9 @@
           <a:pathLst>
             <a:path>
               <a:moveTo>
-                <a:pt x="2395290" y="4250568"/>
+                <a:pt x="676014" y="3005928"/>
               </a:moveTo>
-              <a:arcTo wR="2133354" hR="2133354" stAng="4976842" swAng="846316"/>
+              <a:arcTo wR="1665981" hR="1665981" stAng="7587442" swAng="1633267"/>
             </a:path>
           </a:pathLst>
         </a:custGeom>
@@ -1677,15 +1605,15 @@
         <a:fontRef idx="minor"/>
       </dsp:style>
     </dsp:sp>
-    <dsp:sp modelId="{C0F049BD-3FE4-4550-9403-5DE17BD64B9F}">
+    <dsp:sp modelId="{F85BDFEF-39F2-467E-8C36-000AE6F34FFA}">
       <dsp:nvSpPr>
         <dsp:cNvPr id="0" name=""/>
         <dsp:cNvSpPr/>
       </dsp:nvSpPr>
       <dsp:spPr>
         <a:xfrm>
-          <a:off x="1658518" y="3862330"/>
-          <a:ext cx="1642653" cy="1067724"/>
+          <a:off x="758540" y="1667379"/>
+          <a:ext cx="1551756" cy="1008641"/>
         </a:xfrm>
         <a:prstGeom prst="roundRect">
           <a:avLst/>
@@ -1726,12 +1654,12 @@
         </a:fontRef>
       </dsp:style>
       <dsp:txBody>
-        <a:bodyPr spcFirstLastPara="0" vert="horz" wrap="square" lIns="72390" tIns="72390" rIns="72390" bIns="72390" numCol="1" spcCol="1270" anchor="ctr" anchorCtr="0">
+        <a:bodyPr spcFirstLastPara="0" vert="horz" wrap="square" lIns="68580" tIns="68580" rIns="68580" bIns="68580" numCol="1" spcCol="1270" anchor="ctr" anchorCtr="0">
           <a:noAutofit/>
         </a:bodyPr>
         <a:lstStyle/>
         <a:p>
-          <a:pPr lvl="0" algn="ctr" defTabSz="844550">
+          <a:pPr lvl="0" algn="ctr" defTabSz="800100">
             <a:lnSpc>
               <a:spcPct val="90000"/>
             </a:lnSpc>
@@ -1743,26 +1671,26 @@
             </a:spcAft>
           </a:pPr>
           <a:r>
-            <a:rPr lang="en-US" sz="1900" kern="1200" dirty="0" smtClean="0"/>
-            <a:t>Model Training</a:t>
+            <a:rPr lang="en-US" sz="1800" kern="1200" dirty="0" smtClean="0"/>
+            <a:t>Model Performance Assessment</a:t>
           </a:r>
-          <a:endParaRPr lang="en-US" sz="1900" kern="1200" dirty="0"/>
+          <a:endParaRPr lang="en-US" sz="1800" kern="1200" dirty="0"/>
         </a:p>
       </dsp:txBody>
       <dsp:txXfrm>
-        <a:off x="1710640" y="3914452"/>
-        <a:ext cx="1538409" cy="963480"/>
+        <a:off x="807778" y="1716617"/>
+        <a:ext cx="1453280" cy="910165"/>
       </dsp:txXfrm>
     </dsp:sp>
-    <dsp:sp modelId="{6F37F15E-54DF-439C-9C0F-28BEDA6B9B43}">
+    <dsp:sp modelId="{7CB46CED-6636-445A-B581-8F5560E8D887}">
       <dsp:nvSpPr>
         <dsp:cNvPr id="0" name=""/>
         <dsp:cNvSpPr/>
       </dsp:nvSpPr>
       <dsp:spPr>
         <a:xfrm>
-          <a:off x="1600445" y="536916"/>
-          <a:ext cx="4266709" cy="4266709"/>
+          <a:off x="1534418" y="505718"/>
+          <a:ext cx="3331962" cy="3331962"/>
         </a:xfrm>
         <a:custGeom>
           <a:avLst/>
@@ -1773,139 +1701,9 @@
           <a:pathLst>
             <a:path>
               <a:moveTo>
-                <a:pt x="226378" y="3089726"/>
+                <a:pt x="172728" y="927272"/>
               </a:moveTo>
-              <a:arcTo wR="2133354" hR="2133354" stAng="9201941" swAng="1360022"/>
-            </a:path>
-          </a:pathLst>
-        </a:custGeom>
-        <a:noFill/>
-        <a:ln w="9525" cap="flat" cmpd="sng" algn="ctr">
-          <a:solidFill>
-            <a:schemeClr val="accent1">
-              <a:hueOff val="0"/>
-              <a:satOff val="0"/>
-              <a:lumOff val="0"/>
-              <a:alphaOff val="0"/>
-            </a:schemeClr>
-          </a:solidFill>
-          <a:prstDash val="solid"/>
-          <a:tailEnd type="arrow"/>
-        </a:ln>
-        <a:effectLst/>
-      </dsp:spPr>
-      <dsp:style>
-        <a:lnRef idx="1">
-          <a:scrgbClr r="0" g="0" b="0"/>
-        </a:lnRef>
-        <a:fillRef idx="0">
-          <a:scrgbClr r="0" g="0" b="0"/>
-        </a:fillRef>
-        <a:effectRef idx="0">
-          <a:scrgbClr r="0" g="0" b="0"/>
-        </a:effectRef>
-        <a:fontRef idx="minor"/>
-      </dsp:style>
-    </dsp:sp>
-    <dsp:sp modelId="{F85BDFEF-39F2-467E-8C36-000AE6F34FFA}">
-      <dsp:nvSpPr>
-        <dsp:cNvPr id="0" name=""/>
-        <dsp:cNvSpPr/>
-      </dsp:nvSpPr>
-      <dsp:spPr>
-        <a:xfrm>
-          <a:off x="883532" y="1477166"/>
-          <a:ext cx="1642653" cy="1067724"/>
-        </a:xfrm>
-        <a:prstGeom prst="roundRect">
-          <a:avLst/>
-        </a:prstGeom>
-        <a:solidFill>
-          <a:schemeClr val="accent1">
-            <a:hueOff val="0"/>
-            <a:satOff val="0"/>
-            <a:lumOff val="0"/>
-            <a:alphaOff val="0"/>
-          </a:schemeClr>
-        </a:solidFill>
-        <a:ln w="25400" cap="flat" cmpd="sng" algn="ctr">
-          <a:solidFill>
-            <a:schemeClr val="lt1">
-              <a:hueOff val="0"/>
-              <a:satOff val="0"/>
-              <a:lumOff val="0"/>
-              <a:alphaOff val="0"/>
-            </a:schemeClr>
-          </a:solidFill>
-          <a:prstDash val="solid"/>
-        </a:ln>
-        <a:effectLst/>
-      </dsp:spPr>
-      <dsp:style>
-        <a:lnRef idx="2">
-          <a:scrgbClr r="0" g="0" b="0"/>
-        </a:lnRef>
-        <a:fillRef idx="1">
-          <a:scrgbClr r="0" g="0" b="0"/>
-        </a:fillRef>
-        <a:effectRef idx="0">
-          <a:scrgbClr r="0" g="0" b="0"/>
-        </a:effectRef>
-        <a:fontRef idx="minor">
-          <a:schemeClr val="lt1"/>
-        </a:fontRef>
-      </dsp:style>
-      <dsp:txBody>
-        <a:bodyPr spcFirstLastPara="0" vert="horz" wrap="square" lIns="72390" tIns="72390" rIns="72390" bIns="72390" numCol="1" spcCol="1270" anchor="ctr" anchorCtr="0">
-          <a:noAutofit/>
-        </a:bodyPr>
-        <a:lstStyle/>
-        <a:p>
-          <a:pPr lvl="0" algn="ctr" defTabSz="844550">
-            <a:lnSpc>
-              <a:spcPct val="90000"/>
-            </a:lnSpc>
-            <a:spcBef>
-              <a:spcPct val="0"/>
-            </a:spcBef>
-            <a:spcAft>
-              <a:spcPct val="35000"/>
-            </a:spcAft>
-          </a:pPr>
-          <a:r>
-            <a:rPr lang="en-US" sz="1900" kern="1200" dirty="0" smtClean="0"/>
-            <a:t>Model Performance Assessment</a:t>
-          </a:r>
-          <a:endParaRPr lang="en-US" sz="1900" kern="1200" dirty="0"/>
-        </a:p>
-      </dsp:txBody>
-      <dsp:txXfrm>
-        <a:off x="935654" y="1529288"/>
-        <a:ext cx="1538409" cy="963480"/>
-      </dsp:txXfrm>
-    </dsp:sp>
-    <dsp:sp modelId="{7CB46CED-6636-445A-B581-8F5560E8D887}">
-      <dsp:nvSpPr>
-        <dsp:cNvPr id="0" name=""/>
-        <dsp:cNvSpPr/>
-      </dsp:nvSpPr>
-      <dsp:spPr>
-        <a:xfrm>
-          <a:off x="1600445" y="536916"/>
-          <a:ext cx="4266709" cy="4266709"/>
-        </a:xfrm>
-        <a:custGeom>
-          <a:avLst/>
-          <a:gdLst/>
-          <a:ahLst/>
-          <a:cxnLst/>
-          <a:rect l="0" t="0" r="0" b="0"/>
-          <a:pathLst>
-            <a:path>
-              <a:moveTo>
-                <a:pt x="513109" y="745548"/>
-              </a:moveTo>
-              <a:arcTo wR="2133354" hR="2133354" stAng="13234884" swAng="1211921"/>
+              <a:arcTo wR="1665981" hR="1665981" stAng="12379290" swAng="1633267"/>
             </a:path>
           </a:pathLst>
         </a:custGeom>
@@ -3265,7 +3063,7 @@
           <a:p>
             <a:fld id="{C90C2703-6E16-4D18-972E-71D360B08715}" type="datetimeFigureOut">
               <a:rPr lang="en-US" smtClean="0"/>
-              <a:t>5/7/2015</a:t>
+              <a:t>5/8/15</a:t>
             </a:fld>
             <a:endParaRPr lang="en-US"/>
           </a:p>
@@ -3529,7 +3327,7 @@
           <a:p>
             <a:fld id="{C00ECEB4-A724-43F7-9DD1-ED480F958AEE}" type="datetimeFigureOut">
               <a:rPr lang="en-US" smtClean="0"/>
-              <a:t>5/7/2015</a:t>
+              <a:t>5/8/15</a:t>
             </a:fld>
             <a:endParaRPr lang="en-US"/>
           </a:p>
@@ -3699,7 +3497,7 @@
           <a:p>
             <a:fld id="{C00ECEB4-A724-43F7-9DD1-ED480F958AEE}" type="datetimeFigureOut">
               <a:rPr lang="en-US" smtClean="0"/>
-              <a:t>5/7/2015</a:t>
+              <a:t>5/8/15</a:t>
             </a:fld>
             <a:endParaRPr lang="en-US"/>
           </a:p>
@@ -3879,7 +3677,7 @@
           <a:p>
             <a:fld id="{C00ECEB4-A724-43F7-9DD1-ED480F958AEE}" type="datetimeFigureOut">
               <a:rPr lang="en-US" smtClean="0"/>
-              <a:t>5/7/2015</a:t>
+              <a:t>5/8/15</a:t>
             </a:fld>
             <a:endParaRPr lang="en-US"/>
           </a:p>
@@ -4049,7 +3847,7 @@
           <a:p>
             <a:fld id="{C00ECEB4-A724-43F7-9DD1-ED480F958AEE}" type="datetimeFigureOut">
               <a:rPr lang="en-US" smtClean="0"/>
-              <a:t>5/7/2015</a:t>
+              <a:t>5/8/15</a:t>
             </a:fld>
             <a:endParaRPr lang="en-US"/>
           </a:p>
@@ -4295,7 +4093,7 @@
           <a:p>
             <a:fld id="{C00ECEB4-A724-43F7-9DD1-ED480F958AEE}" type="datetimeFigureOut">
               <a:rPr lang="en-US" smtClean="0"/>
-              <a:t>5/7/2015</a:t>
+              <a:t>5/8/15</a:t>
             </a:fld>
             <a:endParaRPr lang="en-US"/>
           </a:p>
@@ -4583,7 +4381,7 @@
           <a:p>
             <a:fld id="{C00ECEB4-A724-43F7-9DD1-ED480F958AEE}" type="datetimeFigureOut">
               <a:rPr lang="en-US" smtClean="0"/>
-              <a:t>5/7/2015</a:t>
+              <a:t>5/8/15</a:t>
             </a:fld>
             <a:endParaRPr lang="en-US"/>
           </a:p>
@@ -5005,7 +4803,7 @@
           <a:p>
             <a:fld id="{C00ECEB4-A724-43F7-9DD1-ED480F958AEE}" type="datetimeFigureOut">
               <a:rPr lang="en-US" smtClean="0"/>
-              <a:t>5/7/2015</a:t>
+              <a:t>5/8/15</a:t>
             </a:fld>
             <a:endParaRPr lang="en-US"/>
           </a:p>
@@ -5123,7 +4921,7 @@
           <a:p>
             <a:fld id="{C00ECEB4-A724-43F7-9DD1-ED480F958AEE}" type="datetimeFigureOut">
               <a:rPr lang="en-US" smtClean="0"/>
-              <a:t>5/7/2015</a:t>
+              <a:t>5/8/15</a:t>
             </a:fld>
             <a:endParaRPr lang="en-US"/>
           </a:p>
@@ -5218,7 +5016,7 @@
           <a:p>
             <a:fld id="{C00ECEB4-A724-43F7-9DD1-ED480F958AEE}" type="datetimeFigureOut">
               <a:rPr lang="en-US" smtClean="0"/>
-              <a:t>5/7/2015</a:t>
+              <a:t>5/8/15</a:t>
             </a:fld>
             <a:endParaRPr lang="en-US"/>
           </a:p>
@@ -5495,7 +5293,7 @@
           <a:p>
             <a:fld id="{C00ECEB4-A724-43F7-9DD1-ED480F958AEE}" type="datetimeFigureOut">
               <a:rPr lang="en-US" smtClean="0"/>
-              <a:t>5/7/2015</a:t>
+              <a:t>5/8/15</a:t>
             </a:fld>
             <a:endParaRPr lang="en-US"/>
           </a:p>
@@ -5748,7 +5546,7 @@
           <a:p>
             <a:fld id="{C00ECEB4-A724-43F7-9DD1-ED480F958AEE}" type="datetimeFigureOut">
               <a:rPr lang="en-US" smtClean="0"/>
-              <a:t>5/7/2015</a:t>
+              <a:t>5/8/15</a:t>
             </a:fld>
             <a:endParaRPr lang="en-US"/>
           </a:p>
@@ -5961,7 +5759,7 @@
           <a:p>
             <a:fld id="{C00ECEB4-A724-43F7-9DD1-ED480F958AEE}" type="datetimeFigureOut">
               <a:rPr lang="en-US" smtClean="0"/>
-              <a:t>5/7/2015</a:t>
+              <a:t>5/8/15</a:t>
             </a:fld>
             <a:endParaRPr lang="en-US"/>
           </a:p>
@@ -6364,7 +6162,22 @@
             </a:br>
             <a:r>
               <a:rPr lang="en-US" dirty="0" smtClean="0"/>
-              <a:t>Otto Group Product Classification Challenge</a:t>
+              <a:t>Otto Group Product </a:t>
+            </a:r>
+            <a:r>
+              <a:rPr lang="en-US" dirty="0" smtClean="0"/>
+              <a:t/>
+            </a:r>
+            <a:br>
+              <a:rPr lang="en-US" dirty="0" smtClean="0"/>
+            </a:br>
+            <a:r>
+              <a:rPr lang="en-US" dirty="0" smtClean="0"/>
+              <a:t>Classification </a:t>
+            </a:r>
+            <a:r>
+              <a:rPr lang="en-US" dirty="0" smtClean="0"/>
+              <a:t>Challenge</a:t>
             </a:r>
             <a:endParaRPr lang="en-US" dirty="0"/>
           </a:p>
@@ -6403,6 +6216,90 @@
 </file>
 
 <file path=ppt/slides/slide10.xml><?xml version="1.0" encoding="utf-8"?>
+<p:sld xmlns:a="http://schemas.openxmlformats.org/drawingml/2006/main" xmlns:r="http://schemas.openxmlformats.org/officeDocument/2006/relationships" xmlns:p="http://schemas.openxmlformats.org/presentationml/2006/main">
+  <p:cSld>
+    <p:spTree>
+      <p:nvGrpSpPr>
+        <p:cNvPr id="1" name=""/>
+        <p:cNvGrpSpPr/>
+        <p:nvPr/>
+      </p:nvGrpSpPr>
+      <p:grpSpPr>
+        <a:xfrm>
+          <a:off x="0" y="0"/>
+          <a:ext cx="0" cy="0"/>
+          <a:chOff x="0" y="0"/>
+          <a:chExt cx="0" cy="0"/>
+        </a:xfrm>
+      </p:grpSpPr>
+      <p:pic>
+        <p:nvPicPr>
+          <p:cNvPr id="1026" name="Picture 2"/>
+          <p:cNvPicPr>
+            <a:picLocks noChangeAspect="1" noChangeArrowheads="1"/>
+          </p:cNvPicPr>
+          <p:nvPr/>
+        </p:nvPicPr>
+        <p:blipFill>
+          <a:blip r:embed="rId2">
+            <a:extLst>
+              <a:ext uri="{28A0092B-C50C-407E-A947-70E740481C1C}">
+                <a14:useLocalDpi xmlns:a14="http://schemas.microsoft.com/office/drawing/2010/main" val="0"/>
+              </a:ext>
+            </a:extLst>
+          </a:blip>
+          <a:srcRect/>
+          <a:stretch>
+            <a:fillRect/>
+          </a:stretch>
+        </p:blipFill>
+        <p:spPr bwMode="auto">
+          <a:xfrm>
+            <a:off x="257175" y="723900"/>
+            <a:ext cx="8629650" cy="5410200"/>
+          </a:xfrm>
+          <a:prstGeom prst="rect">
+            <a:avLst/>
+          </a:prstGeom>
+          <a:noFill/>
+          <a:ln>
+            <a:noFill/>
+          </a:ln>
+          <a:extLst>
+            <a:ext uri="{909E8E84-426E-40dd-AFC4-6F175D3DCCD1}">
+              <a14:hiddenFill xmlns:a14="http://schemas.microsoft.com/office/drawing/2010/main">
+                <a:solidFill>
+                  <a:schemeClr val="accent1"/>
+                </a:solidFill>
+              </a14:hiddenFill>
+            </a:ext>
+            <a:ext uri="{91240B29-F687-4f45-9708-019B960494DF}">
+              <a14:hiddenLine xmlns:a14="http://schemas.microsoft.com/office/drawing/2010/main" w="9525">
+                <a:solidFill>
+                  <a:schemeClr val="tx1"/>
+                </a:solidFill>
+                <a:miter lim="800000"/>
+                <a:headEnd/>
+                <a:tailEnd/>
+              </a14:hiddenLine>
+            </a:ext>
+          </a:extLst>
+        </p:spPr>
+      </p:pic>
+    </p:spTree>
+    <p:extLst>
+      <p:ext uri="{BB962C8B-B14F-4D97-AF65-F5344CB8AC3E}">
+        <p14:creationId xmlns:p14="http://schemas.microsoft.com/office/powerpoint/2010/main" val="3284196556"/>
+      </p:ext>
+    </p:extLst>
+  </p:cSld>
+  <p:clrMapOvr>
+    <a:masterClrMapping/>
+  </p:clrMapOvr>
+</p:sld>
+</file>
+
+<file path=ppt/slides/slide11.xml><?xml version="1.0" encoding="utf-8"?>
 <p:sld xmlns:a="http://schemas.openxmlformats.org/drawingml/2006/main" xmlns:r="http://schemas.openxmlformats.org/officeDocument/2006/relationships" xmlns:p="http://schemas.openxmlformats.org/presentationml/2006/main">
   <p:cSld>
     <p:spTree>
@@ -6453,14 +6350,14 @@
             <a:noFill/>
           </a:ln>
           <a:extLst>
-            <a:ext uri="{909E8E84-426E-40DD-AFC4-6F175D3DCCD1}">
+            <a:ext uri="{909E8E84-426E-40dd-AFC4-6F175D3DCCD1}">
               <a14:hiddenFill xmlns:a14="http://schemas.microsoft.com/office/drawing/2010/main">
                 <a:solidFill>
                   <a:schemeClr val="accent1"/>
                 </a:solidFill>
               </a14:hiddenFill>
             </a:ext>
-            <a:ext uri="{91240B29-F687-4F45-9708-019B960494DF}">
+            <a:ext uri="{91240B29-F687-4f45-9708-019B960494DF}">
               <a14:hiddenLine xmlns:a14="http://schemas.microsoft.com/office/drawing/2010/main" w="9525">
                 <a:solidFill>
                   <a:schemeClr val="tx1"/>
@@ -6486,7 +6383,7 @@
 </p:sld>
 </file>
 
-<file path=ppt/slides/slide11.xml><?xml version="1.0" encoding="utf-8"?>
+<file path=ppt/slides/slide12.xml><?xml version="1.0" encoding="utf-8"?>
 <p:sld xmlns:a="http://schemas.openxmlformats.org/drawingml/2006/main" xmlns:r="http://schemas.openxmlformats.org/officeDocument/2006/relationships" xmlns:p="http://schemas.openxmlformats.org/presentationml/2006/main">
   <p:cSld>
     <p:spTree>
@@ -6537,14 +6434,14 @@
             <a:noFill/>
           </a:ln>
           <a:extLst>
-            <a:ext uri="{909E8E84-426E-40DD-AFC4-6F175D3DCCD1}">
+            <a:ext uri="{909E8E84-426E-40dd-AFC4-6F175D3DCCD1}">
               <a14:hiddenFill xmlns:a14="http://schemas.microsoft.com/office/drawing/2010/main">
                 <a:solidFill>
                   <a:schemeClr val="accent1"/>
                 </a:solidFill>
               </a14:hiddenFill>
             </a:ext>
-            <a:ext uri="{91240B29-F687-4F45-9708-019B960494DF}">
+            <a:ext uri="{91240B29-F687-4f45-9708-019B960494DF}">
               <a14:hiddenLine xmlns:a14="http://schemas.microsoft.com/office/drawing/2010/main" w="9525">
                 <a:solidFill>
                   <a:schemeClr val="tx1"/>
@@ -6570,14 +6467,14 @@
   <p:timing>
     <p:tnLst>
       <p:par>
-        <p:cTn id="1" dur="indefinite" restart="never" nodeType="tmRoot"/>
+        <p:cTn xmlns:p14="http://schemas.microsoft.com/office/powerpoint/2010/main" id="1" dur="indefinite" restart="never" nodeType="tmRoot"/>
       </p:par>
     </p:tnLst>
   </p:timing>
 </p:sld>
 </file>
 
-<file path=ppt/slides/slide12.xml><?xml version="1.0" encoding="utf-8"?>
+<file path=ppt/slides/slide13.xml><?xml version="1.0" encoding="utf-8"?>
 <p:sld xmlns:a="http://schemas.openxmlformats.org/drawingml/2006/main" xmlns:r="http://schemas.openxmlformats.org/officeDocument/2006/relationships" xmlns:p="http://schemas.openxmlformats.org/presentationml/2006/main">
   <p:cSld>
     <p:spTree>
@@ -6628,14 +6525,14 @@
             <a:noFill/>
           </a:ln>
           <a:extLst>
-            <a:ext uri="{909E8E84-426E-40DD-AFC4-6F175D3DCCD1}">
+            <a:ext uri="{909E8E84-426E-40dd-AFC4-6F175D3DCCD1}">
               <a14:hiddenFill xmlns:a14="http://schemas.microsoft.com/office/drawing/2010/main">
                 <a:solidFill>
                   <a:schemeClr val="accent1"/>
                 </a:solidFill>
               </a14:hiddenFill>
             </a:ext>
-            <a:ext uri="{91240B29-F687-4F45-9708-019B960494DF}">
+            <a:ext uri="{91240B29-F687-4f45-9708-019B960494DF}">
               <a14:hiddenLine xmlns:a14="http://schemas.microsoft.com/office/drawing/2010/main" w="9525">
                 <a:solidFill>
                   <a:schemeClr val="tx1"/>
@@ -6661,14 +6558,14 @@
   <p:timing>
     <p:tnLst>
       <p:par>
-        <p:cTn id="1" dur="indefinite" restart="never" nodeType="tmRoot"/>
+        <p:cTn xmlns:p14="http://schemas.microsoft.com/office/powerpoint/2010/main" id="1" dur="indefinite" restart="never" nodeType="tmRoot"/>
       </p:par>
     </p:tnLst>
   </p:timing>
 </p:sld>
 </file>
 
-<file path=ppt/slides/slide13.xml><?xml version="1.0" encoding="utf-8"?>
+<file path=ppt/slides/slide14.xml><?xml version="1.0" encoding="utf-8"?>
 <p:sld xmlns:a="http://schemas.openxmlformats.org/drawingml/2006/main" xmlns:r="http://schemas.openxmlformats.org/officeDocument/2006/relationships" xmlns:p="http://schemas.openxmlformats.org/presentationml/2006/main">
   <p:cSld>
     <p:spTree>
@@ -6719,14 +6616,14 @@
             <a:noFill/>
           </a:ln>
           <a:extLst>
-            <a:ext uri="{909E8E84-426E-40DD-AFC4-6F175D3DCCD1}">
+            <a:ext uri="{909E8E84-426E-40dd-AFC4-6F175D3DCCD1}">
               <a14:hiddenFill xmlns:a14="http://schemas.microsoft.com/office/drawing/2010/main">
                 <a:solidFill>
                   <a:schemeClr val="accent1"/>
                 </a:solidFill>
               </a14:hiddenFill>
             </a:ext>
-            <a:ext uri="{91240B29-F687-4F45-9708-019B960494DF}">
+            <a:ext uri="{91240B29-F687-4f45-9708-019B960494DF}">
               <a14:hiddenLine xmlns:a14="http://schemas.microsoft.com/office/drawing/2010/main" w="9525">
                 <a:solidFill>
                   <a:schemeClr val="tx1"/>
@@ -6752,14 +6649,14 @@
   <p:timing>
     <p:tnLst>
       <p:par>
-        <p:cTn id="1" dur="indefinite" restart="never" nodeType="tmRoot"/>
+        <p:cTn xmlns:p14="http://schemas.microsoft.com/office/powerpoint/2010/main" id="1" dur="indefinite" restart="never" nodeType="tmRoot"/>
       </p:par>
     </p:tnLst>
   </p:timing>
 </p:sld>
 </file>
 
-<file path=ppt/slides/slide14.xml><?xml version="1.0" encoding="utf-8"?>
+<file path=ppt/slides/slide15.xml><?xml version="1.0" encoding="utf-8"?>
 <p:sld xmlns:a="http://schemas.openxmlformats.org/drawingml/2006/main" xmlns:r="http://schemas.openxmlformats.org/officeDocument/2006/relationships" xmlns:p="http://schemas.openxmlformats.org/presentationml/2006/main">
   <p:cSld>
     <p:spTree>
@@ -6833,14 +6730,14 @@
             <a:noFill/>
           </a:ln>
           <a:extLst>
-            <a:ext uri="{909E8E84-426E-40DD-AFC4-6F175D3DCCD1}">
+            <a:ext uri="{909E8E84-426E-40dd-AFC4-6F175D3DCCD1}">
               <a14:hiddenFill xmlns:a14="http://schemas.microsoft.com/office/drawing/2010/main">
                 <a:solidFill>
                   <a:schemeClr val="accent1"/>
                 </a:solidFill>
               </a14:hiddenFill>
             </a:ext>
-            <a:ext uri="{91240B29-F687-4F45-9708-019B960494DF}">
+            <a:ext uri="{91240B29-F687-4f45-9708-019B960494DF}">
               <a14:hiddenLine xmlns:a14="http://schemas.microsoft.com/office/drawing/2010/main" w="9525">
                 <a:solidFill>
                   <a:schemeClr val="tx1"/>
@@ -6889,14 +6786,14 @@
             <a:noFill/>
           </a:ln>
           <a:extLst>
-            <a:ext uri="{909E8E84-426E-40DD-AFC4-6F175D3DCCD1}">
+            <a:ext uri="{909E8E84-426E-40dd-AFC4-6F175D3DCCD1}">
               <a14:hiddenFill xmlns:a14="http://schemas.microsoft.com/office/drawing/2010/main">
                 <a:solidFill>
                   <a:schemeClr val="accent1"/>
                 </a:solidFill>
               </a14:hiddenFill>
             </a:ext>
-            <a:ext uri="{91240B29-F687-4F45-9708-019B960494DF}">
+            <a:ext uri="{91240B29-F687-4f45-9708-019B960494DF}">
               <a14:hiddenLine xmlns:a14="http://schemas.microsoft.com/office/drawing/2010/main" w="9525">
                 <a:solidFill>
                   <a:schemeClr val="tx1"/>
@@ -6922,7 +6819,7 @@
   <p:timing>
     <p:tnLst>
       <p:par>
-        <p:cTn id="1" dur="indefinite" restart="never" nodeType="tmRoot"/>
+        <p:cTn xmlns:p14="http://schemas.microsoft.com/office/powerpoint/2010/main" id="1" dur="indefinite" restart="never" nodeType="tmRoot"/>
       </p:par>
     </p:tnLst>
   </p:timing>
@@ -7074,14 +6971,14 @@
             <a:noFill/>
           </a:ln>
           <a:extLst>
-            <a:ext uri="{909E8E84-426E-40DD-AFC4-6F175D3DCCD1}">
+            <a:ext uri="{909E8E84-426E-40dd-AFC4-6F175D3DCCD1}">
               <a14:hiddenFill xmlns:a14="http://schemas.microsoft.com/office/drawing/2010/main">
                 <a:solidFill>
                   <a:schemeClr val="accent1"/>
                 </a:solidFill>
               </a14:hiddenFill>
             </a:ext>
-            <a:ext uri="{91240B29-F687-4F45-9708-019B960494DF}">
+            <a:ext uri="{91240B29-F687-4f45-9708-019B960494DF}">
               <a14:hiddenLine xmlns:a14="http://schemas.microsoft.com/office/drawing/2010/main" w="9525">
                 <a:solidFill>
                   <a:schemeClr val="tx1"/>
@@ -7371,15 +7268,7 @@
             </a:pPr>
             <a:r>
               <a:rPr lang="en-US" dirty="0" smtClean="0"/>
-              <a:t>1 </a:t>
-            </a:r>
-            <a:r>
-              <a:rPr lang="en-US" dirty="0" smtClean="0"/>
-              <a:t>identifier </a:t>
-            </a:r>
-            <a:r>
-              <a:rPr lang="en-US" dirty="0" smtClean="0"/>
-              <a:t>attribute</a:t>
+              <a:t>1 identifier attribute</a:t>
             </a:r>
           </a:p>
           <a:p>
@@ -7389,17 +7278,8 @@
             </a:pPr>
             <a:r>
               <a:rPr lang="en-US" dirty="0" smtClean="0"/>
-              <a:t>93 </a:t>
-            </a:r>
-            <a:r>
-              <a:rPr lang="en-US" dirty="0" smtClean="0"/>
-              <a:t>explanatory</a:t>
-            </a:r>
-            <a:r>
-              <a:rPr lang="en-US" dirty="0" smtClean="0"/>
-              <a:t> attributes (feat_1, …, feat_93), numeric counts</a:t>
-            </a:r>
-            <a:endParaRPr lang="en-US" dirty="0" smtClean="0"/>
+              <a:t>93 explanatory attributes (feat_1, …, feat_93), numeric counts</a:t>
+            </a:r>
           </a:p>
           <a:p>
             <a:pPr marL="285750" indent="-285750">
@@ -7408,23 +7288,13 @@
             </a:pPr>
             <a:r>
               <a:rPr lang="en-US" dirty="0" smtClean="0"/>
-              <a:t>Response </a:t>
+              <a:t>Response attribute designating the product category (Class_1, …, Class_9</a:t>
             </a:r>
             <a:r>
               <a:rPr lang="en-US" dirty="0" smtClean="0"/>
-              <a:t>attribute designating the product category (Class_1, …, Class_9)</a:t>
-            </a:r>
-          </a:p>
-          <a:p>
-            <a:pPr marL="285750" indent="-285750">
-              <a:buFont typeface="Arial" panose="020B0604020202020204" pitchFamily="34" charset="0"/>
-              <a:buChar char="•"/>
-            </a:pPr>
-            <a:r>
-              <a:rPr lang="en-US" dirty="0" smtClean="0"/>
-              <a:t>Input to predictive modeling work</a:t>
-            </a:r>
-            <a:endParaRPr lang="en-US" dirty="0"/>
+              <a:t>)</a:t>
+            </a:r>
+            <a:endParaRPr lang="en-US" dirty="0" smtClean="0"/>
           </a:p>
         </p:txBody>
       </p:sp>
@@ -7509,15 +7379,7 @@
             </a:pPr>
             <a:r>
               <a:rPr lang="en-US" dirty="0" smtClean="0"/>
-              <a:t>1 </a:t>
-            </a:r>
-            <a:r>
-              <a:rPr lang="en-US" dirty="0" smtClean="0"/>
-              <a:t>identifier </a:t>
-            </a:r>
-            <a:r>
-              <a:rPr lang="en-US" dirty="0" smtClean="0"/>
-              <a:t>attribute</a:t>
+              <a:t>1 identifier attribute</a:t>
             </a:r>
           </a:p>
           <a:p>
@@ -7527,15 +7389,7 @@
             </a:pPr>
             <a:r>
               <a:rPr lang="en-US" dirty="0" smtClean="0"/>
-              <a:t>93 </a:t>
-            </a:r>
-            <a:r>
-              <a:rPr lang="en-US" dirty="0" smtClean="0"/>
-              <a:t>explanatory</a:t>
-            </a:r>
-            <a:r>
-              <a:rPr lang="en-US" dirty="0" smtClean="0"/>
-              <a:t> attributes</a:t>
+              <a:t>93 explanatory attributes</a:t>
             </a:r>
           </a:p>
           <a:p>
@@ -7545,7 +7399,11 @@
             </a:pPr>
             <a:r>
               <a:rPr lang="en-US" dirty="0" smtClean="0"/>
-              <a:t>Used to make predictions from developed models</a:t>
+              <a:t>Used to make predictions </a:t>
+            </a:r>
+            <a:r>
+              <a:rPr lang="en-US" dirty="0" smtClean="0"/>
+              <a:t>for submission</a:t>
             </a:r>
             <a:endParaRPr lang="en-US" dirty="0" smtClean="0"/>
           </a:p>
@@ -7600,8 +7458,8 @@
           </a:p>
         </p:txBody>
       </p:sp>
-      <mc:AlternateContent xmlns:mc="http://schemas.openxmlformats.org/markup-compatibility/2006">
-        <mc:Choice xmlns:a14="http://schemas.microsoft.com/office/drawing/2010/main" Requires="a14">
+      <mc:AlternateContent xmlns:mc="http://schemas.openxmlformats.org/markup-compatibility/2006" xmlns:a14="http://schemas.microsoft.com/office/drawing/2010/main">
+        <mc:Choice Requires="a14">
           <p:sp>
             <p:nvSpPr>
               <p:cNvPr id="4" name="Content Placeholder 3"/>
@@ -7620,7 +7478,7 @@
             </p:spPr>
             <p:txBody>
               <a:bodyPr>
-                <a:normAutofit lnSpcReduction="10000"/>
+                <a:normAutofit/>
               </a:bodyPr>
               <a:lstStyle/>
               <a:p>
@@ -7639,202 +7497,7 @@
                 <a:pPr marL="0" indent="0">
                   <a:buNone/>
                 </a:pPr>
-                <a14:m>
-                  <m:oMathPara xmlns:m="http://schemas.openxmlformats.org/officeDocument/2006/math">
-                    <m:oMathParaPr>
-                      <m:jc m:val="centerGroup"/>
-                    </m:oMathParaPr>
-                    <m:oMath xmlns:m="http://schemas.openxmlformats.org/officeDocument/2006/math">
-                      <m:r>
-                        <a:rPr lang="en-US" sz="2400" b="0" i="1" smtClean="0">
-                          <a:latin typeface="Cambria Math"/>
-                        </a:rPr>
-                        <m:t>𝑙𝑜𝑔𝑙𝑜𝑠𝑠</m:t>
-                      </m:r>
-                      <m:r>
-                        <a:rPr lang="en-US" sz="2400" b="0" i="1" smtClean="0">
-                          <a:latin typeface="Cambria Math"/>
-                        </a:rPr>
-                        <m:t>=−</m:t>
-                      </m:r>
-                      <m:f>
-                        <m:fPr>
-                          <m:ctrlPr>
-                            <a:rPr lang="en-US" sz="2400" b="0" i="1" smtClean="0">
-                              <a:latin typeface="Cambria Math"/>
-                            </a:rPr>
-                          </m:ctrlPr>
-                        </m:fPr>
-                        <m:num>
-                          <m:r>
-                            <a:rPr lang="en-US" sz="2400" b="0" i="1" smtClean="0">
-                              <a:latin typeface="Cambria Math"/>
-                            </a:rPr>
-                            <m:t>1</m:t>
-                          </m:r>
-                        </m:num>
-                        <m:den>
-                          <m:r>
-                            <a:rPr lang="en-US" sz="2400" b="0" i="1" smtClean="0">
-                              <a:latin typeface="Cambria Math"/>
-                            </a:rPr>
-                            <m:t>𝑁</m:t>
-                          </m:r>
-                        </m:den>
-                      </m:f>
-                      <m:nary>
-                        <m:naryPr>
-                          <m:chr m:val="∑"/>
-                          <m:ctrlPr>
-                            <a:rPr lang="en-US" sz="2400" b="0" i="1" smtClean="0">
-                              <a:latin typeface="Cambria Math"/>
-                            </a:rPr>
-                          </m:ctrlPr>
-                        </m:naryPr>
-                        <m:sub>
-                          <m:r>
-                            <m:rPr>
-                              <m:brk m:alnAt="23"/>
-                            </m:rPr>
-                            <a:rPr lang="en-US" sz="2400" b="0" i="1" smtClean="0">
-                              <a:latin typeface="Cambria Math"/>
-                            </a:rPr>
-                            <m:t>𝑖</m:t>
-                          </m:r>
-                          <m:r>
-                            <a:rPr lang="en-US" sz="2400" b="0" i="1" smtClean="0">
-                              <a:latin typeface="Cambria Math"/>
-                            </a:rPr>
-                            <m:t>=1</m:t>
-                          </m:r>
-                        </m:sub>
-                        <m:sup>
-                          <m:r>
-                            <a:rPr lang="en-US" sz="2400" b="0" i="1" smtClean="0">
-                              <a:latin typeface="Cambria Math"/>
-                            </a:rPr>
-                            <m:t>𝑁</m:t>
-                          </m:r>
-                        </m:sup>
-                        <m:e>
-                          <m:nary>
-                            <m:naryPr>
-                              <m:chr m:val="∑"/>
-                              <m:ctrlPr>
-                                <a:rPr lang="en-US" sz="2400" b="0" i="1" smtClean="0">
-                                  <a:latin typeface="Cambria Math"/>
-                                </a:rPr>
-                              </m:ctrlPr>
-                            </m:naryPr>
-                            <m:sub>
-                              <m:r>
-                                <m:rPr>
-                                  <m:brk m:alnAt="23"/>
-                                </m:rPr>
-                                <a:rPr lang="en-US" sz="2400" b="0" i="1" smtClean="0">
-                                  <a:latin typeface="Cambria Math"/>
-                                </a:rPr>
-                                <m:t>𝑗</m:t>
-                              </m:r>
-                              <m:r>
-                                <a:rPr lang="en-US" sz="2400" b="0" i="1" smtClean="0">
-                                  <a:latin typeface="Cambria Math"/>
-                                </a:rPr>
-                                <m:t>=1</m:t>
-                              </m:r>
-                            </m:sub>
-                            <m:sup>
-                              <m:r>
-                                <a:rPr lang="en-US" sz="2400" b="0" i="1" smtClean="0">
-                                  <a:latin typeface="Cambria Math"/>
-                                </a:rPr>
-                                <m:t>𝑀</m:t>
-                              </m:r>
-                            </m:sup>
-                            <m:e>
-                              <m:sSub>
-                                <m:sSubPr>
-                                  <m:ctrlPr>
-                                    <a:rPr lang="en-US" sz="2400" b="0" i="1" smtClean="0">
-                                      <a:latin typeface="Cambria Math"/>
-                                    </a:rPr>
-                                  </m:ctrlPr>
-                                </m:sSubPr>
-                                <m:e>
-                                  <m:r>
-                                    <a:rPr lang="en-US" sz="2400" b="0" i="1" smtClean="0">
-                                      <a:latin typeface="Cambria Math"/>
-                                    </a:rPr>
-                                    <m:t>𝑦</m:t>
-                                  </m:r>
-                                </m:e>
-                                <m:sub>
-                                  <m:r>
-                                    <a:rPr lang="en-US" sz="2400" b="0" i="1" smtClean="0">
-                                      <a:latin typeface="Cambria Math"/>
-                                    </a:rPr>
-                                    <m:t>𝑖𝑗</m:t>
-                                  </m:r>
-                                </m:sub>
-                              </m:sSub>
-                              <m:r>
-                                <m:rPr>
-                                  <m:nor/>
-                                </m:rPr>
-                                <a:rPr lang="en-US" sz="2400" b="0" i="0" smtClean="0">
-                                  <a:latin typeface="Cambria Math"/>
-                                </a:rPr>
-                                <m:t>log</m:t>
-                              </m:r>
-                            </m:e>
-                          </m:nary>
-                        </m:e>
-                      </m:nary>
-                      <m:d>
-                        <m:dPr>
-                          <m:ctrlPr>
-                            <a:rPr lang="en-US" sz="2400" b="0" i="1" smtClean="0">
-                              <a:latin typeface="Cambria Math"/>
-                            </a:rPr>
-                          </m:ctrlPr>
-                        </m:dPr>
-                        <m:e>
-                          <m:sSub>
-                            <m:sSubPr>
-                              <m:ctrlPr>
-                                <a:rPr lang="en-US" sz="2400" b="0" i="1" smtClean="0">
-                                  <a:latin typeface="Cambria Math"/>
-                                </a:rPr>
-                              </m:ctrlPr>
-                            </m:sSubPr>
-                            <m:e>
-                              <m:r>
-                                <a:rPr lang="en-US" sz="2400" b="0" i="1" smtClean="0">
-                                  <a:latin typeface="Cambria Math"/>
-                                </a:rPr>
-                                <m:t>𝑝</m:t>
-                              </m:r>
-                            </m:e>
-                            <m:sub>
-                              <m:r>
-                                <a:rPr lang="en-US" sz="2400" b="0" i="1" smtClean="0">
-                                  <a:latin typeface="Cambria Math"/>
-                                </a:rPr>
-                                <m:t>𝑖𝑗</m:t>
-                              </m:r>
-                            </m:sub>
-                          </m:sSub>
-                        </m:e>
-                      </m:d>
-                      <m:r>
-                        <a:rPr lang="en-US" sz="2400" b="0" i="1" smtClean="0">
-                          <a:latin typeface="Cambria Math"/>
-                        </a:rPr>
-                        <m:t>,</m:t>
-                      </m:r>
-                    </m:oMath>
-                  </m:oMathPara>
-                </a14:m>
+                <a14:m/>
                 <a:endParaRPr lang="en-US" sz="2400" dirty="0" smtClean="0"/>
               </a:p>
               <a:p>
@@ -7869,124 +7532,32 @@
                   <a:rPr lang="en-US" dirty="0" smtClean="0"/>
                   <a:t> = 9, log() is the natural logarithm, </a:t>
                 </a:r>
-                <a14:m>
-                  <m:oMath xmlns:m="http://schemas.openxmlformats.org/officeDocument/2006/math">
-                    <m:sSub>
-                      <m:sSubPr>
-                        <m:ctrlPr>
-                          <a:rPr lang="en-US" i="1" smtClean="0">
-                            <a:latin typeface="Cambria Math"/>
-                          </a:rPr>
-                        </m:ctrlPr>
-                      </m:sSubPr>
-                      <m:e>
-                        <m:r>
-                          <a:rPr lang="en-US" b="0" i="1" smtClean="0">
-                            <a:latin typeface="Cambria Math"/>
-                          </a:rPr>
-                          <m:t>𝑦</m:t>
-                        </m:r>
-                      </m:e>
-                      <m:sub>
-                        <m:r>
-                          <a:rPr lang="en-US" b="0" i="1" smtClean="0">
-                            <a:latin typeface="Cambria Math"/>
-                          </a:rPr>
-                          <m:t>𝑖𝑗</m:t>
-                        </m:r>
-                      </m:sub>
-                    </m:sSub>
-                  </m:oMath>
-                </a14:m>
+                <a14:m/>
                 <a:r>
                   <a:rPr lang="en-US" dirty="0" smtClean="0"/>
                   <a:t>is 1 if product </a:t>
                 </a:r>
-                <a14:m>
-                  <m:oMath xmlns:m="http://schemas.openxmlformats.org/officeDocument/2006/math">
-                    <m:r>
-                      <a:rPr lang="en-US" b="0" i="1" smtClean="0">
-                        <a:latin typeface="Cambria Math"/>
-                      </a:rPr>
-                      <m:t>𝑖</m:t>
-                    </m:r>
-                  </m:oMath>
-                </a14:m>
+                <a14:m/>
                 <a:r>
                   <a:rPr lang="en-US" dirty="0" smtClean="0"/>
                   <a:t> is in category </a:t>
                 </a:r>
-                <a14:m>
-                  <m:oMath xmlns:m="http://schemas.openxmlformats.org/officeDocument/2006/math">
-                    <m:r>
-                      <a:rPr lang="en-US" b="0" i="1" smtClean="0">
-                        <a:latin typeface="Cambria Math"/>
-                      </a:rPr>
-                      <m:t>𝑗</m:t>
-                    </m:r>
-                  </m:oMath>
-                </a14:m>
+                <a14:m/>
                 <a:r>
                   <a:rPr lang="en-US" dirty="0" smtClean="0"/>
                   <a:t> and 0 otherwise, and </a:t>
                 </a:r>
-                <a14:m>
-                  <m:oMath xmlns:m="http://schemas.openxmlformats.org/officeDocument/2006/math">
-                    <m:sSub>
-                      <m:sSubPr>
-                        <m:ctrlPr>
-                          <a:rPr lang="en-US" i="1" smtClean="0">
-                            <a:latin typeface="Cambria Math"/>
-                          </a:rPr>
-                        </m:ctrlPr>
-                      </m:sSubPr>
-                      <m:e>
-                        <m:r>
-                          <a:rPr lang="en-US" b="0" i="1" smtClean="0">
-                            <a:latin typeface="Cambria Math"/>
-                          </a:rPr>
-                          <m:t>𝑝</m:t>
-                        </m:r>
-                      </m:e>
-                      <m:sub>
-                        <m:r>
-                          <a:rPr lang="en-US" b="0" i="1" smtClean="0">
-                            <a:latin typeface="Cambria Math"/>
-                          </a:rPr>
-                          <m:t>𝑖𝑗</m:t>
-                        </m:r>
-                      </m:sub>
-                    </m:sSub>
-                  </m:oMath>
-                </a14:m>
+                <a14:m/>
                 <a:r>
                   <a:rPr lang="en-US" dirty="0" smtClean="0"/>
                   <a:t>is the predicted probability that product </a:t>
                 </a:r>
-                <a14:m>
-                  <m:oMath xmlns:m="http://schemas.openxmlformats.org/officeDocument/2006/math">
-                    <m:r>
-                      <a:rPr lang="en-US" i="1">
-                        <a:latin typeface="Cambria Math"/>
-                      </a:rPr>
-                      <m:t>𝑖</m:t>
-                    </m:r>
-                  </m:oMath>
-                </a14:m>
+                <a14:m/>
                 <a:r>
                   <a:rPr lang="en-US" dirty="0" smtClean="0"/>
                   <a:t> is in category </a:t>
                 </a:r>
-                <a14:m>
-                  <m:oMath xmlns:m="http://schemas.openxmlformats.org/officeDocument/2006/math">
-                    <m:r>
-                      <a:rPr lang="en-US" i="1" smtClean="0">
-                        <a:latin typeface="Cambria Math"/>
-                      </a:rPr>
-                      <m:t>𝑗</m:t>
-                    </m:r>
-                  </m:oMath>
-                </a14:m>
+                <a14:m/>
                 <a:r>
                   <a:rPr lang="en-US" dirty="0" smtClean="0"/>
                   <a:t>.</a:t>
@@ -7997,138 +7568,13 @@
                   <a:rPr lang="en-US" sz="2400" dirty="0" smtClean="0"/>
                   <a:t>Extremes of the log function are handled as follows: </a:t>
                 </a:r>
-                <a14:m>
-                  <m:oMath xmlns:m="http://schemas.openxmlformats.org/officeDocument/2006/math">
-                    <m:r>
-                      <m:rPr>
-                        <m:sty m:val="p"/>
-                      </m:rPr>
-                      <a:rPr lang="en-US" sz="2400" b="0" i="0" smtClean="0">
-                        <a:latin typeface="Cambria Math"/>
-                      </a:rPr>
-                      <m:t>max</m:t>
-                    </m:r>
-                    <m:r>
-                      <a:rPr lang="en-US" sz="2400" b="0" i="1" smtClean="0">
-                        <a:latin typeface="Cambria Math"/>
-                      </a:rPr>
-                      <m:t>⁡(</m:t>
-                    </m:r>
-                    <m:func>
-                      <m:funcPr>
-                        <m:ctrlPr>
-                          <a:rPr lang="en-US" sz="2400" b="0" i="1" smtClean="0">
-                            <a:latin typeface="Cambria Math"/>
-                          </a:rPr>
-                        </m:ctrlPr>
-                      </m:funcPr>
-                      <m:fName>
-                        <m:r>
-                          <m:rPr>
-                            <m:sty m:val="p"/>
-                          </m:rPr>
-                          <a:rPr lang="en-US" sz="2400" b="0" i="0" smtClean="0">
-                            <a:latin typeface="Cambria Math"/>
-                          </a:rPr>
-                          <m:t>min</m:t>
-                        </m:r>
-                      </m:fName>
-                      <m:e>
-                        <m:d>
-                          <m:dPr>
-                            <m:ctrlPr>
-                              <a:rPr lang="en-US" sz="2400" b="0" i="1" smtClean="0">
-                                <a:latin typeface="Cambria Math"/>
-                              </a:rPr>
-                            </m:ctrlPr>
-                          </m:dPr>
-                          <m:e>
-                            <m:r>
-                              <a:rPr lang="en-US" sz="2400" b="0" i="1" smtClean="0">
-                                <a:latin typeface="Cambria Math"/>
-                              </a:rPr>
-                              <m:t>𝑝</m:t>
-                            </m:r>
-                            <m:r>
-                              <a:rPr lang="en-US" sz="2400" b="0" i="1" smtClean="0">
-                                <a:latin typeface="Cambria Math"/>
-                              </a:rPr>
-                              <m:t>,1−</m:t>
-                            </m:r>
-                            <m:sSup>
-                              <m:sSupPr>
-                                <m:ctrlPr>
-                                  <a:rPr lang="en-US" sz="2400" b="0" i="1" smtClean="0">
-                                    <a:latin typeface="Cambria Math"/>
-                                  </a:rPr>
-                                </m:ctrlPr>
-                              </m:sSupPr>
-                              <m:e>
-                                <m:r>
-                                  <a:rPr lang="en-US" sz="2400" b="0" i="1" smtClean="0">
-                                    <a:latin typeface="Cambria Math"/>
-                                  </a:rPr>
-                                  <m:t>10</m:t>
-                                </m:r>
-                              </m:e>
-                              <m:sup>
-                                <m:r>
-                                  <a:rPr lang="en-US" sz="2400" b="0" i="1" smtClean="0">
-                                    <a:latin typeface="Cambria Math"/>
-                                  </a:rPr>
-                                  <m:t>−15</m:t>
-                                </m:r>
-                              </m:sup>
-                            </m:sSup>
-                          </m:e>
-                        </m:d>
-                      </m:e>
-                    </m:func>
-                    <m:r>
-                      <a:rPr lang="en-US" sz="2400" b="0" i="1" smtClean="0">
-                        <a:latin typeface="Cambria Math"/>
-                      </a:rPr>
-                      <m:t>,</m:t>
-                    </m:r>
-                    <m:sSup>
-                      <m:sSupPr>
-                        <m:ctrlPr>
-                          <a:rPr lang="en-US" sz="2400" b="0" i="1" smtClean="0">
-                            <a:latin typeface="Cambria Math"/>
-                          </a:rPr>
-                        </m:ctrlPr>
-                      </m:sSupPr>
-                      <m:e>
-                        <m:r>
-                          <a:rPr lang="en-US" sz="2400" b="0" i="1" smtClean="0">
-                            <a:latin typeface="Cambria Math"/>
-                          </a:rPr>
-                          <m:t>10</m:t>
-                        </m:r>
-                      </m:e>
-                      <m:sup>
-                        <m:r>
-                          <a:rPr lang="en-US" sz="2400" b="0" i="1" smtClean="0">
-                            <a:latin typeface="Cambria Math"/>
-                          </a:rPr>
-                          <m:t>−15</m:t>
-                        </m:r>
-                      </m:sup>
-                    </m:sSup>
-                    <m:r>
-                      <a:rPr lang="en-US" sz="2400" b="0" i="1" smtClean="0">
-                        <a:latin typeface="Cambria Math"/>
-                      </a:rPr>
-                      <m:t>)</m:t>
-                    </m:r>
-                  </m:oMath>
-                </a14:m>
+                <a14:m/>
                 <a:endParaRPr lang="en-US" sz="2400" dirty="0"/>
               </a:p>
             </p:txBody>
           </p:sp>
         </mc:Choice>
-        <mc:Fallback>
+        <mc:Fallback xmlns="">
           <p:sp>
             <p:nvSpPr>
               <p:cNvPr id="4" name="Content Placeholder 3"/>
@@ -8176,6 +7622,13 @@
   <p:clrMapOvr>
     <a:masterClrMapping/>
   </p:clrMapOvr>
+  <p:timing>
+    <p:tnLst>
+      <p:par>
+        <p:cTn xmlns:p14="http://schemas.microsoft.com/office/powerpoint/2010/main" id="1" dur="indefinite" restart="never" nodeType="tmRoot"/>
+      </p:par>
+    </p:tnLst>
+  </p:timing>
 </p:sld>
 </file>
 
@@ -8213,11 +7666,7 @@
           <a:p>
             <a:r>
               <a:rPr lang="en-US" dirty="0" smtClean="0"/>
-              <a:t>Modeling </a:t>
-            </a:r>
-            <a:r>
-              <a:rPr lang="en-US" dirty="0" smtClean="0"/>
-              <a:t>Data Set up</a:t>
+              <a:t>Modeling Data Set up</a:t>
             </a:r>
             <a:endParaRPr lang="en-US" dirty="0"/>
           </a:p>
@@ -8681,13 +8130,8 @@
             </a:r>
             <a:r>
               <a:rPr lang="en-US" dirty="0" smtClean="0"/>
-              <a:t> Training Data set into three </a:t>
-            </a:r>
-            <a:r>
-              <a:rPr lang="en-US" dirty="0" smtClean="0"/>
-              <a:t>mutually exclusive subsets.</a:t>
-            </a:r>
-            <a:endParaRPr lang="en-US" dirty="0" smtClean="0"/>
+              <a:t> Training Data set into three mutually exclusive subsets.</a:t>
+            </a:r>
           </a:p>
         </p:txBody>
       </p:sp>
@@ -8784,7 +8228,11 @@
           <a:p>
             <a:r>
               <a:rPr lang="en-US" dirty="0" smtClean="0"/>
-              <a:t>Modeling Cycle</a:t>
+              <a:t>Modeling </a:t>
+            </a:r>
+            <a:r>
+              <a:rPr lang="en-US" dirty="0" smtClean="0"/>
+              <a:t>Process</a:t>
             </a:r>
             <a:endParaRPr lang="en-US" dirty="0"/>
           </a:p>
@@ -8797,14 +8245,14 @@
           <p:nvPr>
             <p:extLst>
               <p:ext uri="{D42A27DB-BD31-4B8C-83A1-F6EECF244321}">
-                <p14:modId xmlns:p14="http://schemas.microsoft.com/office/powerpoint/2010/main" val="4065732682"/>
+                <p14:modId xmlns:p14="http://schemas.microsoft.com/office/powerpoint/2010/main" val="3930710310"/>
               </p:ext>
             </p:extLst>
           </p:nvPr>
         </p:nvGraphicFramePr>
         <p:xfrm>
-          <a:off x="990600" y="1397000"/>
-          <a:ext cx="7467600" cy="5003800"/>
+          <a:off x="2057400" y="2057400"/>
+          <a:ext cx="6400800" cy="4343400"/>
         </p:xfrm>
         <a:graphic>
           <a:graphicData uri="http://schemas.openxmlformats.org/drawingml/2006/diagram">
@@ -8812,6 +8260,360 @@
           </a:graphicData>
         </a:graphic>
       </p:graphicFrame>
+      <p:grpSp>
+        <p:nvGrpSpPr>
+          <p:cNvPr id="9" name="Group 8"/>
+          <p:cNvGrpSpPr/>
+          <p:nvPr/>
+        </p:nvGrpSpPr>
+        <p:grpSpPr>
+          <a:xfrm>
+            <a:off x="457200" y="914400"/>
+            <a:ext cx="1554480" cy="1015602"/>
+            <a:chOff x="2912473" y="3054"/>
+            <a:chExt cx="1595720" cy="1015602"/>
+          </a:xfrm>
+        </p:grpSpPr>
+        <p:sp>
+          <p:nvSpPr>
+            <p:cNvPr id="10" name="Rounded Rectangle 9"/>
+            <p:cNvSpPr/>
+            <p:nvPr/>
+          </p:nvSpPr>
+          <p:spPr>
+            <a:xfrm>
+              <a:off x="2912473" y="3054"/>
+              <a:ext cx="1595720" cy="1005840"/>
+            </a:xfrm>
+            <a:prstGeom prst="roundRect">
+              <a:avLst/>
+            </a:prstGeom>
+          </p:spPr>
+          <p:style>
+            <a:lnRef idx="2">
+              <a:schemeClr val="lt1">
+                <a:hueOff val="0"/>
+                <a:satOff val="0"/>
+                <a:lumOff val="0"/>
+                <a:alphaOff val="0"/>
+              </a:schemeClr>
+            </a:lnRef>
+            <a:fillRef idx="1">
+              <a:schemeClr val="accent1">
+                <a:hueOff val="0"/>
+                <a:satOff val="0"/>
+                <a:lumOff val="0"/>
+                <a:alphaOff val="0"/>
+              </a:schemeClr>
+            </a:fillRef>
+            <a:effectRef idx="0">
+              <a:schemeClr val="accent1">
+                <a:hueOff val="0"/>
+                <a:satOff val="0"/>
+                <a:lumOff val="0"/>
+                <a:alphaOff val="0"/>
+              </a:schemeClr>
+            </a:effectRef>
+            <a:fontRef idx="minor">
+              <a:schemeClr val="lt1"/>
+            </a:fontRef>
+          </p:style>
+        </p:sp>
+        <p:sp>
+          <p:nvSpPr>
+            <p:cNvPr id="11" name="Rounded Rectangle 4"/>
+            <p:cNvSpPr/>
+            <p:nvPr/>
+          </p:nvSpPr>
+          <p:spPr>
+            <a:xfrm>
+              <a:off x="2964595" y="55176"/>
+              <a:ext cx="1538409" cy="963480"/>
+            </a:xfrm>
+            <a:prstGeom prst="rect">
+              <a:avLst/>
+            </a:prstGeom>
+          </p:spPr>
+          <p:style>
+            <a:lnRef idx="0">
+              <a:scrgbClr r="0" g="0" b="0"/>
+            </a:lnRef>
+            <a:fillRef idx="0">
+              <a:scrgbClr r="0" g="0" b="0"/>
+            </a:fillRef>
+            <a:effectRef idx="0">
+              <a:scrgbClr r="0" g="0" b="0"/>
+            </a:effectRef>
+            <a:fontRef idx="minor">
+              <a:schemeClr val="lt1"/>
+            </a:fontRef>
+          </p:style>
+          <p:txBody>
+            <a:bodyPr spcFirstLastPara="0" vert="horz" wrap="square" lIns="72390" tIns="72390" rIns="72390" bIns="72390" numCol="1" spcCol="1270" anchor="ctr" anchorCtr="0">
+              <a:noAutofit/>
+            </a:bodyPr>
+            <a:lstStyle/>
+            <a:p>
+              <a:pPr lvl="0" algn="ctr" defTabSz="844550">
+                <a:lnSpc>
+                  <a:spcPct val="90000"/>
+                </a:lnSpc>
+                <a:spcBef>
+                  <a:spcPct val="0"/>
+                </a:spcBef>
+                <a:spcAft>
+                  <a:spcPct val="35000"/>
+                </a:spcAft>
+              </a:pPr>
+              <a:r>
+                <a:rPr lang="en-US" sz="1900" kern="1200" dirty="0" smtClean="0"/>
+                <a:t>Feature </a:t>
+              </a:r>
+              <a:r>
+                <a:rPr lang="en-US" sz="1900" dirty="0" smtClean="0"/>
+                <a:t>Extraction</a:t>
+              </a:r>
+              <a:endParaRPr lang="en-US" sz="1900" kern="1200" dirty="0"/>
+            </a:p>
+          </p:txBody>
+        </p:sp>
+      </p:grpSp>
+      <p:grpSp>
+        <p:nvGrpSpPr>
+          <p:cNvPr id="12" name="Group 11"/>
+          <p:cNvGrpSpPr/>
+          <p:nvPr/>
+        </p:nvGrpSpPr>
+        <p:grpSpPr>
+          <a:xfrm>
+            <a:off x="2362200" y="1524000"/>
+            <a:ext cx="1554480" cy="1005840"/>
+            <a:chOff x="2912473" y="3054"/>
+            <a:chExt cx="1642653" cy="1067724"/>
+          </a:xfrm>
+        </p:grpSpPr>
+        <p:sp>
+          <p:nvSpPr>
+            <p:cNvPr id="13" name="Rounded Rectangle 12"/>
+            <p:cNvSpPr/>
+            <p:nvPr/>
+          </p:nvSpPr>
+          <p:spPr>
+            <a:xfrm>
+              <a:off x="2912473" y="3054"/>
+              <a:ext cx="1642653" cy="1067724"/>
+            </a:xfrm>
+            <a:prstGeom prst="roundRect">
+              <a:avLst/>
+            </a:prstGeom>
+          </p:spPr>
+          <p:style>
+            <a:lnRef idx="2">
+              <a:schemeClr val="lt1">
+                <a:hueOff val="0"/>
+                <a:satOff val="0"/>
+                <a:lumOff val="0"/>
+                <a:alphaOff val="0"/>
+              </a:schemeClr>
+            </a:lnRef>
+            <a:fillRef idx="1">
+              <a:schemeClr val="accent1">
+                <a:hueOff val="0"/>
+                <a:satOff val="0"/>
+                <a:lumOff val="0"/>
+                <a:alphaOff val="0"/>
+              </a:schemeClr>
+            </a:fillRef>
+            <a:effectRef idx="0">
+              <a:schemeClr val="accent1">
+                <a:hueOff val="0"/>
+                <a:satOff val="0"/>
+                <a:lumOff val="0"/>
+                <a:alphaOff val="0"/>
+              </a:schemeClr>
+            </a:effectRef>
+            <a:fontRef idx="minor">
+              <a:schemeClr val="lt1"/>
+            </a:fontRef>
+          </p:style>
+        </p:sp>
+        <p:sp>
+          <p:nvSpPr>
+            <p:cNvPr id="14" name="Rounded Rectangle 4"/>
+            <p:cNvSpPr/>
+            <p:nvPr/>
+          </p:nvSpPr>
+          <p:spPr>
+            <a:xfrm>
+              <a:off x="2964595" y="55176"/>
+              <a:ext cx="1538409" cy="963480"/>
+            </a:xfrm>
+            <a:prstGeom prst="rect">
+              <a:avLst/>
+            </a:prstGeom>
+          </p:spPr>
+          <p:style>
+            <a:lnRef idx="0">
+              <a:scrgbClr r="0" g="0" b="0"/>
+            </a:lnRef>
+            <a:fillRef idx="0">
+              <a:scrgbClr r="0" g="0" b="0"/>
+            </a:fillRef>
+            <a:effectRef idx="0">
+              <a:scrgbClr r="0" g="0" b="0"/>
+            </a:effectRef>
+            <a:fontRef idx="minor">
+              <a:schemeClr val="lt1"/>
+            </a:fontRef>
+          </p:style>
+          <p:txBody>
+            <a:bodyPr spcFirstLastPara="0" vert="horz" wrap="square" lIns="72390" tIns="72390" rIns="72390" bIns="72390" numCol="1" spcCol="1270" anchor="ctr" anchorCtr="0">
+              <a:noAutofit/>
+            </a:bodyPr>
+            <a:lstStyle/>
+            <a:p>
+              <a:pPr lvl="0" algn="ctr" defTabSz="844550">
+                <a:lnSpc>
+                  <a:spcPct val="90000"/>
+                </a:lnSpc>
+                <a:spcBef>
+                  <a:spcPct val="0"/>
+                </a:spcBef>
+                <a:spcAft>
+                  <a:spcPct val="35000"/>
+                </a:spcAft>
+              </a:pPr>
+              <a:r>
+                <a:rPr lang="en-US" sz="1900" kern="1200" dirty="0" smtClean="0"/>
+                <a:t>Feature Analysis</a:t>
+              </a:r>
+              <a:endParaRPr lang="en-US" sz="1900" kern="1200" dirty="0"/>
+            </a:p>
+          </p:txBody>
+        </p:sp>
+      </p:grpSp>
+      <p:sp>
+        <p:nvSpPr>
+          <p:cNvPr id="30" name="Straight Connector 3"/>
+          <p:cNvSpPr/>
+          <p:nvPr/>
+        </p:nvSpPr>
+        <p:spPr>
+          <a:xfrm rot="20192270">
+            <a:off x="144561" y="1058961"/>
+            <a:ext cx="3331962" cy="3331962"/>
+          </a:xfrm>
+          <a:custGeom>
+            <a:avLst/>
+            <a:gdLst/>
+            <a:ahLst/>
+            <a:cxnLst/>
+            <a:rect l="0" t="0" r="0" b="0"/>
+            <a:pathLst>
+              <a:path>
+                <a:moveTo>
+                  <a:pt x="2655947" y="326033"/>
+                </a:moveTo>
+                <a:arcTo wR="1665981" hR="1665981" stAng="18387442" swAng="1633267"/>
+              </a:path>
+            </a:pathLst>
+          </a:custGeom>
+          <a:noFill/>
+          <a:ln>
+            <a:tailEnd type="arrow"/>
+          </a:ln>
+        </p:spPr>
+        <p:style>
+          <a:lnRef idx="1">
+            <a:schemeClr val="accent1">
+              <a:hueOff val="0"/>
+              <a:satOff val="0"/>
+              <a:lumOff val="0"/>
+              <a:alphaOff val="0"/>
+            </a:schemeClr>
+          </a:lnRef>
+          <a:fillRef idx="0">
+            <a:scrgbClr r="0" g="0" b="0"/>
+          </a:fillRef>
+          <a:effectRef idx="0">
+            <a:schemeClr val="accent1">
+              <a:hueOff val="0"/>
+              <a:satOff val="0"/>
+              <a:lumOff val="0"/>
+              <a:alphaOff val="0"/>
+            </a:schemeClr>
+          </a:effectRef>
+          <a:fontRef idx="minor">
+            <a:schemeClr val="tx1">
+              <a:hueOff val="0"/>
+              <a:satOff val="0"/>
+              <a:lumOff val="0"/>
+              <a:alphaOff val="0"/>
+            </a:schemeClr>
+          </a:fontRef>
+        </p:style>
+      </p:sp>
+      <p:sp>
+        <p:nvSpPr>
+          <p:cNvPr id="31" name="Straight Connector 3"/>
+          <p:cNvSpPr/>
+          <p:nvPr/>
+        </p:nvSpPr>
+        <p:spPr>
+          <a:xfrm rot="20192270">
+            <a:off x="1973362" y="1628876"/>
+            <a:ext cx="3331962" cy="3331962"/>
+          </a:xfrm>
+          <a:custGeom>
+            <a:avLst/>
+            <a:gdLst/>
+            <a:ahLst/>
+            <a:cxnLst/>
+            <a:rect l="0" t="0" r="0" b="0"/>
+            <a:pathLst>
+              <a:path>
+                <a:moveTo>
+                  <a:pt x="2655947" y="326033"/>
+                </a:moveTo>
+                <a:arcTo wR="1665981" hR="1665981" stAng="18387442" swAng="1633267"/>
+              </a:path>
+            </a:pathLst>
+          </a:custGeom>
+          <a:noFill/>
+          <a:ln>
+            <a:tailEnd type="arrow"/>
+          </a:ln>
+        </p:spPr>
+        <p:style>
+          <a:lnRef idx="1">
+            <a:schemeClr val="accent1">
+              <a:hueOff val="0"/>
+              <a:satOff val="0"/>
+              <a:lumOff val="0"/>
+              <a:alphaOff val="0"/>
+            </a:schemeClr>
+          </a:lnRef>
+          <a:fillRef idx="0">
+            <a:scrgbClr r="0" g="0" b="0"/>
+          </a:fillRef>
+          <a:effectRef idx="0">
+            <a:schemeClr val="accent1">
+              <a:hueOff val="0"/>
+              <a:satOff val="0"/>
+              <a:lumOff val="0"/>
+              <a:alphaOff val="0"/>
+            </a:schemeClr>
+          </a:effectRef>
+          <a:fontRef idx="minor">
+            <a:schemeClr val="tx1">
+              <a:hueOff val="0"/>
+              <a:satOff val="0"/>
+              <a:lumOff val="0"/>
+              <a:alphaOff val="0"/>
+            </a:schemeClr>
+          </a:fontRef>
+        </p:style>
+      </p:sp>
     </p:spTree>
     <p:extLst>
       <p:ext uri="{BB962C8B-B14F-4D97-AF65-F5344CB8AC3E}">
@@ -8826,6 +8628,74 @@
 </file>
 
 <file path=ppt/slides/slide7.xml><?xml version="1.0" encoding="utf-8"?>
+<p:sld xmlns:a="http://schemas.openxmlformats.org/drawingml/2006/main" xmlns:r="http://schemas.openxmlformats.org/officeDocument/2006/relationships" xmlns:p="http://schemas.openxmlformats.org/presentationml/2006/main">
+  <p:cSld>
+    <p:spTree>
+      <p:nvGrpSpPr>
+        <p:cNvPr id="1" name=""/>
+        <p:cNvGrpSpPr/>
+        <p:nvPr/>
+      </p:nvGrpSpPr>
+      <p:grpSpPr>
+        <a:xfrm>
+          <a:off x="0" y="0"/>
+          <a:ext cx="0" cy="0"/>
+          <a:chOff x="0" y="0"/>
+          <a:chExt cx="0" cy="0"/>
+        </a:xfrm>
+      </p:grpSpPr>
+      <p:sp>
+        <p:nvSpPr>
+          <p:cNvPr id="3" name="Title 2"/>
+          <p:cNvSpPr>
+            <a:spLocks noGrp="1"/>
+          </p:cNvSpPr>
+          <p:nvPr>
+            <p:ph type="title"/>
+          </p:nvPr>
+        </p:nvSpPr>
+        <p:spPr/>
+        <p:txBody>
+          <a:bodyPr/>
+          <a:lstStyle/>
+          <a:p>
+            <a:endParaRPr lang="en-US"/>
+          </a:p>
+        </p:txBody>
+      </p:sp>
+      <p:sp>
+        <p:nvSpPr>
+          <p:cNvPr id="4" name="Content Placeholder 3"/>
+          <p:cNvSpPr>
+            <a:spLocks noGrp="1"/>
+          </p:cNvSpPr>
+          <p:nvPr>
+            <p:ph idx="1"/>
+          </p:nvPr>
+        </p:nvSpPr>
+        <p:spPr/>
+        <p:txBody>
+          <a:bodyPr/>
+          <a:lstStyle/>
+          <a:p>
+            <a:endParaRPr lang="en-US"/>
+          </a:p>
+        </p:txBody>
+      </p:sp>
+    </p:spTree>
+    <p:extLst>
+      <p:ext uri="{BB962C8B-B14F-4D97-AF65-F5344CB8AC3E}">
+        <p14:creationId xmlns:p14="http://schemas.microsoft.com/office/powerpoint/2010/main" val="863988617"/>
+      </p:ext>
+    </p:extLst>
+  </p:cSld>
+  <p:clrMapOvr>
+    <a:masterClrMapping/>
+  </p:clrMapOvr>
+</p:sld>
+</file>
+
+<file path=ppt/slides/slide8.xml><?xml version="1.0" encoding="utf-8"?>
 <p:sld xmlns:a="http://schemas.openxmlformats.org/drawingml/2006/main" xmlns:r="http://schemas.openxmlformats.org/officeDocument/2006/relationships" xmlns:p="http://schemas.openxmlformats.org/presentationml/2006/main">
   <p:cSld>
     <p:spTree>
@@ -8904,14 +8774,14 @@
   <p:timing>
     <p:tnLst>
       <p:par>
-        <p:cTn id="1" dur="indefinite" restart="never" nodeType="tmRoot"/>
+        <p:cTn xmlns:p14="http://schemas.microsoft.com/office/powerpoint/2010/main" id="1" dur="indefinite" restart="never" nodeType="tmRoot"/>
       </p:par>
     </p:tnLst>
   </p:timing>
 </p:sld>
 </file>
 
-<file path=ppt/slides/slide8.xml><?xml version="1.0" encoding="utf-8"?>
+<file path=ppt/slides/slide9.xml><?xml version="1.0" encoding="utf-8"?>
 <p:sld xmlns:a="http://schemas.openxmlformats.org/drawingml/2006/main" xmlns:r="http://schemas.openxmlformats.org/officeDocument/2006/relationships" xmlns:p="http://schemas.openxmlformats.org/presentationml/2006/main">
   <p:cSld>
     <p:spTree>
@@ -8928,6 +8798,31 @@
           <a:chExt cx="0" cy="0"/>
         </a:xfrm>
       </p:grpSpPr>
+      <p:pic>
+        <p:nvPicPr>
+          <p:cNvPr id="3" name="Content Placeholder 2" descr="score_overview2.png"/>
+          <p:cNvPicPr>
+            <a:picLocks noGrp="1" noChangeAspect="1"/>
+          </p:cNvPicPr>
+          <p:nvPr>
+            <p:ph idx="1"/>
+          </p:nvPr>
+        </p:nvPicPr>
+        <p:blipFill>
+          <a:blip r:embed="rId2" cstate="print">
+            <a:extLst>
+              <a:ext uri="{28A0092B-C50C-407E-A947-70E740481C1C}">
+                <a14:useLocalDpi xmlns:a14="http://schemas.microsoft.com/office/drawing/2010/main" val="0"/>
+              </a:ext>
+            </a:extLst>
+          </a:blip>
+          <a:srcRect l="621" r="621"/>
+          <a:stretch>
+            <a:fillRect/>
+          </a:stretch>
+        </p:blipFill>
+        <p:spPr/>
+      </p:pic>
       <p:sp>
         <p:nvSpPr>
           <p:cNvPr id="5" name="Title 4"/>
@@ -8949,187 +8844,143 @@
           </a:p>
         </p:txBody>
       </p:sp>
-      <p:pic>
-        <p:nvPicPr>
-          <p:cNvPr id="7" name="Content Placeholder 6"/>
-          <p:cNvPicPr>
-            <a:picLocks noGrp="1" noChangeAspect="1"/>
-          </p:cNvPicPr>
-          <p:nvPr>
-            <p:ph idx="1"/>
-          </p:nvPr>
-        </p:nvPicPr>
-        <p:blipFill>
-          <a:blip r:embed="rId2" cstate="print">
-            <a:extLst>
-              <a:ext uri="{28A0092B-C50C-407E-A947-70E740481C1C}">
-                <a14:useLocalDpi xmlns:a14="http://schemas.microsoft.com/office/drawing/2010/main" val="0"/>
-              </a:ext>
-            </a:extLst>
-          </a:blip>
-          <a:stretch>
-            <a:fillRect/>
-          </a:stretch>
-        </p:blipFill>
-        <p:spPr>
-          <a:xfrm>
-            <a:off x="457200" y="1098210"/>
-            <a:ext cx="8229600" cy="4996542"/>
-          </a:xfrm>
-        </p:spPr>
-      </p:pic>
       <p:grpSp>
         <p:nvGrpSpPr>
-          <p:cNvPr id="15" name="Group 14"/>
+          <p:cNvPr id="4" name="Group 3"/>
           <p:cNvGrpSpPr/>
           <p:nvPr/>
         </p:nvGrpSpPr>
         <p:grpSpPr>
           <a:xfrm>
             <a:off x="4724400" y="2046775"/>
-            <a:ext cx="3827157" cy="2288557"/>
+            <a:ext cx="3910764" cy="2288557"/>
             <a:chOff x="4724400" y="2046775"/>
-            <a:chExt cx="3827157" cy="2288557"/>
+            <a:chExt cx="3910764" cy="2288557"/>
           </a:xfrm>
         </p:grpSpPr>
-        <p:grpSp>
-          <p:nvGrpSpPr>
-            <p:cNvPr id="11" name="Group 10"/>
-            <p:cNvGrpSpPr/>
+        <p:sp>
+          <p:nvSpPr>
+            <p:cNvPr id="8" name="Oval 7"/>
+            <p:cNvSpPr/>
             <p:nvPr/>
-          </p:nvGrpSpPr>
-          <p:grpSpPr>
+          </p:nvSpPr>
+          <p:spPr>
             <a:xfrm>
-              <a:off x="5029200" y="2573358"/>
-              <a:ext cx="3507935" cy="1761974"/>
-              <a:chOff x="5029200" y="2573358"/>
-              <a:chExt cx="3507935" cy="1761974"/>
+              <a:off x="5029200" y="4030532"/>
+              <a:ext cx="685800" cy="304800"/>
             </a:xfrm>
-          </p:grpSpPr>
-          <p:sp>
-            <p:nvSpPr>
-              <p:cNvPr id="8" name="Oval 7"/>
-              <p:cNvSpPr/>
-              <p:nvPr/>
-            </p:nvSpPr>
-            <p:spPr>
-              <a:xfrm>
-                <a:off x="5029200" y="4030532"/>
-                <a:ext cx="685800" cy="304800"/>
-              </a:xfrm>
-              <a:prstGeom prst="ellipse">
-                <a:avLst/>
-              </a:prstGeom>
-              <a:noFill/>
-            </p:spPr>
-            <p:style>
-              <a:lnRef idx="2">
-                <a:schemeClr val="accent1">
-                  <a:shade val="50000"/>
-                </a:schemeClr>
-              </a:lnRef>
-              <a:fillRef idx="1">
-                <a:schemeClr val="accent1"/>
-              </a:fillRef>
-              <a:effectRef idx="0">
-                <a:schemeClr val="accent1"/>
-              </a:effectRef>
-              <a:fontRef idx="minor">
-                <a:schemeClr val="lt1"/>
-              </a:fontRef>
-            </p:style>
-            <p:txBody>
-              <a:bodyPr rtlCol="0" anchor="ctr"/>
-              <a:lstStyle/>
-              <a:p>
-                <a:pPr algn="ctr"/>
-                <a:endParaRPr lang="en-US"/>
-              </a:p>
-            </p:txBody>
-          </p:sp>
-          <p:sp>
-            <p:nvSpPr>
-              <p:cNvPr id="9" name="Oval 8"/>
-              <p:cNvSpPr/>
-              <p:nvPr/>
-            </p:nvSpPr>
-            <p:spPr>
-              <a:xfrm rot="21144425">
-                <a:off x="5499746" y="2885823"/>
-                <a:ext cx="2458562" cy="539698"/>
-              </a:xfrm>
-              <a:prstGeom prst="ellipse">
-                <a:avLst/>
-              </a:prstGeom>
-              <a:noFill/>
-            </p:spPr>
-            <p:style>
-              <a:lnRef idx="2">
-                <a:schemeClr val="accent1">
-                  <a:shade val="50000"/>
-                </a:schemeClr>
-              </a:lnRef>
-              <a:fillRef idx="1">
-                <a:schemeClr val="accent1"/>
-              </a:fillRef>
-              <a:effectRef idx="0">
-                <a:schemeClr val="accent1"/>
-              </a:effectRef>
-              <a:fontRef idx="minor">
-                <a:schemeClr val="lt1"/>
-              </a:fontRef>
-            </p:style>
-            <p:txBody>
-              <a:bodyPr rtlCol="0" anchor="ctr"/>
-              <a:lstStyle/>
-              <a:p>
-                <a:pPr algn="ctr"/>
-                <a:endParaRPr lang="en-US"/>
-              </a:p>
-            </p:txBody>
-          </p:sp>
-          <p:sp>
-            <p:nvSpPr>
-              <p:cNvPr id="10" name="Oval 9"/>
-              <p:cNvSpPr/>
-              <p:nvPr/>
-            </p:nvSpPr>
-            <p:spPr>
-              <a:xfrm rot="19736746">
-                <a:off x="7766306" y="2573358"/>
-                <a:ext cx="770829" cy="304800"/>
-              </a:xfrm>
-              <a:prstGeom prst="ellipse">
-                <a:avLst/>
-              </a:prstGeom>
-              <a:noFill/>
-            </p:spPr>
-            <p:style>
-              <a:lnRef idx="2">
-                <a:schemeClr val="accent1">
-                  <a:shade val="50000"/>
-                </a:schemeClr>
-              </a:lnRef>
-              <a:fillRef idx="1">
-                <a:schemeClr val="accent1"/>
-              </a:fillRef>
-              <a:effectRef idx="0">
-                <a:schemeClr val="accent1"/>
-              </a:effectRef>
-              <a:fontRef idx="minor">
-                <a:schemeClr val="lt1"/>
-              </a:fontRef>
-            </p:style>
-            <p:txBody>
-              <a:bodyPr rtlCol="0" anchor="ctr"/>
-              <a:lstStyle/>
-              <a:p>
-                <a:pPr algn="ctr"/>
-                <a:endParaRPr lang="en-US"/>
-              </a:p>
-            </p:txBody>
-          </p:sp>
-        </p:grpSp>
+            <a:prstGeom prst="ellipse">
+              <a:avLst/>
+            </a:prstGeom>
+            <a:noFill/>
+          </p:spPr>
+          <p:style>
+            <a:lnRef idx="2">
+              <a:schemeClr val="accent1">
+                <a:shade val="50000"/>
+              </a:schemeClr>
+            </a:lnRef>
+            <a:fillRef idx="1">
+              <a:schemeClr val="accent1"/>
+            </a:fillRef>
+            <a:effectRef idx="0">
+              <a:schemeClr val="accent1"/>
+            </a:effectRef>
+            <a:fontRef idx="minor">
+              <a:schemeClr val="lt1"/>
+            </a:fontRef>
+          </p:style>
+          <p:txBody>
+            <a:bodyPr rtlCol="0" anchor="ctr"/>
+            <a:lstStyle/>
+            <a:p>
+              <a:pPr algn="ctr"/>
+              <a:endParaRPr lang="en-US"/>
+            </a:p>
+          </p:txBody>
+        </p:sp>
+        <p:sp>
+          <p:nvSpPr>
+            <p:cNvPr id="9" name="Oval 8"/>
+            <p:cNvSpPr/>
+            <p:nvPr/>
+          </p:nvSpPr>
+          <p:spPr>
+            <a:xfrm rot="21144425">
+              <a:off x="5499746" y="2885823"/>
+              <a:ext cx="2458562" cy="539698"/>
+            </a:xfrm>
+            <a:prstGeom prst="ellipse">
+              <a:avLst/>
+            </a:prstGeom>
+            <a:noFill/>
+          </p:spPr>
+          <p:style>
+            <a:lnRef idx="2">
+              <a:schemeClr val="accent1">
+                <a:shade val="50000"/>
+              </a:schemeClr>
+            </a:lnRef>
+            <a:fillRef idx="1">
+              <a:schemeClr val="accent1"/>
+            </a:fillRef>
+            <a:effectRef idx="0">
+              <a:schemeClr val="accent1"/>
+            </a:effectRef>
+            <a:fontRef idx="minor">
+              <a:schemeClr val="lt1"/>
+            </a:fontRef>
+          </p:style>
+          <p:txBody>
+            <a:bodyPr rtlCol="0" anchor="ctr"/>
+            <a:lstStyle/>
+            <a:p>
+              <a:pPr algn="ctr"/>
+              <a:endParaRPr lang="en-US"/>
+            </a:p>
+          </p:txBody>
+        </p:sp>
+        <p:sp>
+          <p:nvSpPr>
+            <p:cNvPr id="10" name="Oval 9"/>
+            <p:cNvSpPr/>
+            <p:nvPr/>
+          </p:nvSpPr>
+          <p:spPr>
+            <a:xfrm rot="19736746">
+              <a:off x="7708403" y="2503193"/>
+              <a:ext cx="926761" cy="304800"/>
+            </a:xfrm>
+            <a:prstGeom prst="ellipse">
+              <a:avLst/>
+            </a:prstGeom>
+            <a:noFill/>
+          </p:spPr>
+          <p:style>
+            <a:lnRef idx="2">
+              <a:schemeClr val="accent1">
+                <a:shade val="50000"/>
+              </a:schemeClr>
+            </a:lnRef>
+            <a:fillRef idx="1">
+              <a:schemeClr val="accent1"/>
+            </a:fillRef>
+            <a:effectRef idx="0">
+              <a:schemeClr val="accent1"/>
+            </a:effectRef>
+            <a:fontRef idx="minor">
+              <a:schemeClr val="lt1"/>
+            </a:fontRef>
+          </p:style>
+          <p:txBody>
+            <a:bodyPr rtlCol="0" anchor="ctr"/>
+            <a:lstStyle/>
+            <a:p>
+              <a:pPr algn="ctr"/>
+              <a:endParaRPr lang="en-US"/>
+            </a:p>
+          </p:txBody>
+        </p:sp>
         <p:sp>
           <p:nvSpPr>
             <p:cNvPr id="12" name="TextBox 11"/>
@@ -9234,162 +9085,10 @@
   <p:timing>
     <p:tnLst>
       <p:par>
-        <p:cTn id="1" dur="indefinite" restart="never" nodeType="tmRoot">
-          <p:childTnLst>
-            <p:seq concurrent="1" nextAc="seek">
-              <p:cTn id="2" dur="indefinite" nodeType="mainSeq">
-                <p:childTnLst>
-                  <p:par>
-                    <p:cTn id="3" fill="hold">
-                      <p:stCondLst>
-                        <p:cond delay="indefinite"/>
-                      </p:stCondLst>
-                      <p:childTnLst>
-                        <p:par>
-                          <p:cTn id="4" fill="hold">
-                            <p:stCondLst>
-                              <p:cond delay="0"/>
-                            </p:stCondLst>
-                            <p:childTnLst>
-                              <p:par>
-                                <p:cTn id="5" presetID="1" presetClass="entr" presetSubtype="0" fill="hold" nodeType="clickEffect">
-                                  <p:stCondLst>
-                                    <p:cond delay="0"/>
-                                  </p:stCondLst>
-                                  <p:childTnLst>
-                                    <p:set>
-                                      <p:cBhvr>
-                                        <p:cTn id="6" dur="1" fill="hold">
-                                          <p:stCondLst>
-                                            <p:cond delay="0"/>
-                                          </p:stCondLst>
-                                        </p:cTn>
-                                        <p:tgtEl>
-                                          <p:spTgt spid="15"/>
-                                        </p:tgtEl>
-                                        <p:attrNameLst>
-                                          <p:attrName>style.visibility</p:attrName>
-                                        </p:attrNameLst>
-                                      </p:cBhvr>
-                                      <p:to>
-                                        <p:strVal val="visible"/>
-                                      </p:to>
-                                    </p:set>
-                                  </p:childTnLst>
-                                </p:cTn>
-                              </p:par>
-                            </p:childTnLst>
-                          </p:cTn>
-                        </p:par>
-                      </p:childTnLst>
-                    </p:cTn>
-                  </p:par>
-                </p:childTnLst>
-              </p:cTn>
-              <p:prevCondLst>
-                <p:cond evt="onPrev" delay="0">
-                  <p:tgtEl>
-                    <p:sldTgt/>
-                  </p:tgtEl>
-                </p:cond>
-              </p:prevCondLst>
-              <p:nextCondLst>
-                <p:cond evt="onNext" delay="0">
-                  <p:tgtEl>
-                    <p:sldTgt/>
-                  </p:tgtEl>
-                </p:cond>
-              </p:nextCondLst>
-            </p:seq>
-          </p:childTnLst>
-        </p:cTn>
+        <p:cTn xmlns:p14="http://schemas.microsoft.com/office/powerpoint/2010/main" id="1" dur="indefinite" restart="never" nodeType="tmRoot"/>
       </p:par>
     </p:tnLst>
   </p:timing>
-</p:sld>
-</file>
-
-<file path=ppt/slides/slide9.xml><?xml version="1.0" encoding="utf-8"?>
-<p:sld xmlns:a="http://schemas.openxmlformats.org/drawingml/2006/main" xmlns:r="http://schemas.openxmlformats.org/officeDocument/2006/relationships" xmlns:p="http://schemas.openxmlformats.org/presentationml/2006/main">
-  <p:cSld>
-    <p:spTree>
-      <p:nvGrpSpPr>
-        <p:cNvPr id="1" name=""/>
-        <p:cNvGrpSpPr/>
-        <p:nvPr/>
-      </p:nvGrpSpPr>
-      <p:grpSpPr>
-        <a:xfrm>
-          <a:off x="0" y="0"/>
-          <a:ext cx="0" cy="0"/>
-          <a:chOff x="0" y="0"/>
-          <a:chExt cx="0" cy="0"/>
-        </a:xfrm>
-      </p:grpSpPr>
-      <p:pic>
-        <p:nvPicPr>
-          <p:cNvPr id="1026" name="Picture 2"/>
-          <p:cNvPicPr>
-            <a:picLocks noChangeAspect="1" noChangeArrowheads="1"/>
-          </p:cNvPicPr>
-          <p:nvPr/>
-        </p:nvPicPr>
-        <p:blipFill>
-          <a:blip r:embed="rId2">
-            <a:extLst>
-              <a:ext uri="{28A0092B-C50C-407E-A947-70E740481C1C}">
-                <a14:useLocalDpi xmlns:a14="http://schemas.microsoft.com/office/drawing/2010/main" val="0"/>
-              </a:ext>
-            </a:extLst>
-          </a:blip>
-          <a:srcRect/>
-          <a:stretch>
-            <a:fillRect/>
-          </a:stretch>
-        </p:blipFill>
-        <p:spPr bwMode="auto">
-          <a:xfrm>
-            <a:off x="257175" y="723900"/>
-            <a:ext cx="8629650" cy="5410200"/>
-          </a:xfrm>
-          <a:prstGeom prst="rect">
-            <a:avLst/>
-          </a:prstGeom>
-          <a:noFill/>
-          <a:ln>
-            <a:noFill/>
-          </a:ln>
-          <a:extLst>
-            <a:ext uri="{909E8E84-426E-40DD-AFC4-6F175D3DCCD1}">
-              <a14:hiddenFill xmlns:a14="http://schemas.microsoft.com/office/drawing/2010/main">
-                <a:solidFill>
-                  <a:schemeClr val="accent1"/>
-                </a:solidFill>
-              </a14:hiddenFill>
-            </a:ext>
-            <a:ext uri="{91240B29-F687-4F45-9708-019B960494DF}">
-              <a14:hiddenLine xmlns:a14="http://schemas.microsoft.com/office/drawing/2010/main" w="9525">
-                <a:solidFill>
-                  <a:schemeClr val="tx1"/>
-                </a:solidFill>
-                <a:miter lim="800000"/>
-                <a:headEnd/>
-                <a:tailEnd/>
-              </a14:hiddenLine>
-            </a:ext>
-          </a:extLst>
-        </p:spPr>
-      </p:pic>
-    </p:spTree>
-    <p:extLst>
-      <p:ext uri="{BB962C8B-B14F-4D97-AF65-F5344CB8AC3E}">
-        <p14:creationId xmlns:p14="http://schemas.microsoft.com/office/powerpoint/2010/main" val="3284196556"/>
-      </p:ext>
-    </p:extLst>
-  </p:cSld>
-  <p:clrMapOvr>
-    <a:masterClrMapping/>
-  </p:clrMapOvr>
 </p:sld>
 </file>
 
